--- a/FP in Java 8 - Part 2 - Aggregated State - Strategies/Functional Programming in Java 8 - Part 2 - Aggregated State - Strategies.pptx
+++ b/FP in Java 8 - Part 2 - Aggregated State - Strategies/Functional Programming in Java 8 - Part 2 - Aggregated State - Strategies.pptx
@@ -915,10 +915,9 @@
         <a:lstStyle/>
         <a:p>
           <a:r>
-            <a:rPr lang="en-US" dirty="0" smtClean="0"/>
+            <a:rPr lang="en-US" dirty="0"/>
             <a:t>Redux</a:t>
           </a:r>
-          <a:endParaRPr lang="en-US" dirty="0"/>
         </a:p>
       </dgm:t>
     </dgm:pt>
@@ -952,10 +951,9 @@
         <a:lstStyle/>
         <a:p>
           <a:r>
-            <a:rPr lang="en-US" dirty="0" smtClean="0"/>
+            <a:rPr lang="en-US" dirty="0"/>
             <a:t>Multithreading</a:t>
           </a:r>
-          <a:endParaRPr lang="en-US" dirty="0"/>
         </a:p>
       </dgm:t>
     </dgm:pt>
@@ -990,13 +988,6 @@
         </dgm:presLayoutVars>
       </dgm:prSet>
       <dgm:spPr/>
-      <dgm:t>
-        <a:bodyPr/>
-        <a:lstStyle/>
-        <a:p>
-          <a:endParaRPr lang="en-US"/>
-        </a:p>
-      </dgm:t>
     </dgm:pt>
     <dgm:pt modelId="{A914F549-AF9D-4E52-AAEA-36855E50FAF1}" type="pres">
       <dgm:prSet presAssocID="{9D76724A-3887-44C6-BABF-8B5A60A34F1C}" presName="divider" presStyleLbl="fgShp" presStyleIdx="0" presStyleCnt="1"/>
@@ -1013,13 +1004,6 @@
         </dgm:presLayoutVars>
       </dgm:prSet>
       <dgm:spPr/>
-      <dgm:t>
-        <a:bodyPr/>
-        <a:lstStyle/>
-        <a:p>
-          <a:endParaRPr lang="en-US"/>
-        </a:p>
-      </dgm:t>
     </dgm:pt>
     <dgm:pt modelId="{BE016303-73B7-44BB-BD6E-7EC2878926AA}" type="pres">
       <dgm:prSet presAssocID="{D94691DA-E281-4977-A9EC-BA18249A8CDB}" presName="upArrow" presStyleLbl="node1" presStyleIdx="1" presStyleCnt="2"/>
@@ -1032,13 +1016,6 @@
         </dgm:presLayoutVars>
       </dgm:prSet>
       <dgm:spPr/>
-      <dgm:t>
-        <a:bodyPr/>
-        <a:lstStyle/>
-        <a:p>
-          <a:endParaRPr lang="en-US"/>
-        </a:p>
-      </dgm:t>
     </dgm:pt>
   </dgm:ptLst>
   <dgm:cxnLst>
@@ -1071,6 +1048,275 @@
       <dsp:cNvGrpSpPr/>
     </dsp:nvGrpSpPr>
     <dsp:grpSpPr/>
+    <dsp:sp modelId="{A914F549-AF9D-4E52-AAEA-36855E50FAF1}">
+      <dsp:nvSpPr>
+        <dsp:cNvPr id="0" name=""/>
+        <dsp:cNvSpPr/>
+      </dsp:nvSpPr>
+      <dsp:spPr>
+        <a:xfrm rot="21300000">
+          <a:off x="24942" y="2246800"/>
+          <a:ext cx="8078114" cy="925066"/>
+        </a:xfrm>
+        <a:prstGeom prst="mathMinus">
+          <a:avLst/>
+        </a:prstGeom>
+        <a:solidFill>
+          <a:schemeClr val="accent1">
+            <a:tint val="60000"/>
+            <a:hueOff val="0"/>
+            <a:satOff val="0"/>
+            <a:lumOff val="0"/>
+            <a:alphaOff val="0"/>
+          </a:schemeClr>
+        </a:solidFill>
+        <a:ln w="12700" cap="flat" cmpd="sng" algn="ctr">
+          <a:solidFill>
+            <a:schemeClr val="lt1">
+              <a:hueOff val="0"/>
+              <a:satOff val="0"/>
+              <a:lumOff val="0"/>
+              <a:alphaOff val="0"/>
+            </a:schemeClr>
+          </a:solidFill>
+          <a:prstDash val="solid"/>
+          <a:miter lim="800000"/>
+        </a:ln>
+        <a:effectLst/>
+      </dsp:spPr>
+      <dsp:style>
+        <a:lnRef idx="2">
+          <a:scrgbClr r="0" g="0" b="0"/>
+        </a:lnRef>
+        <a:fillRef idx="1">
+          <a:scrgbClr r="0" g="0" b="0"/>
+        </a:fillRef>
+        <a:effectRef idx="0">
+          <a:scrgbClr r="0" g="0" b="0"/>
+        </a:effectRef>
+        <a:fontRef idx="minor"/>
+      </dsp:style>
+    </dsp:sp>
+    <dsp:sp modelId="{E349EC2E-9620-4399-B7A5-D8BBE5E75706}">
+      <dsp:nvSpPr>
+        <dsp:cNvPr id="0" name=""/>
+        <dsp:cNvSpPr/>
+      </dsp:nvSpPr>
+      <dsp:spPr>
+        <a:xfrm>
+          <a:off x="975360" y="270933"/>
+          <a:ext cx="2438400" cy="2167466"/>
+        </a:xfrm>
+        <a:prstGeom prst="downArrow">
+          <a:avLst/>
+        </a:prstGeom>
+        <a:solidFill>
+          <a:schemeClr val="accent1">
+            <a:hueOff val="0"/>
+            <a:satOff val="0"/>
+            <a:lumOff val="0"/>
+            <a:alphaOff val="0"/>
+          </a:schemeClr>
+        </a:solidFill>
+        <a:ln w="12700" cap="flat" cmpd="sng" algn="ctr">
+          <a:solidFill>
+            <a:schemeClr val="lt1">
+              <a:hueOff val="0"/>
+              <a:satOff val="0"/>
+              <a:lumOff val="0"/>
+              <a:alphaOff val="0"/>
+            </a:schemeClr>
+          </a:solidFill>
+          <a:prstDash val="solid"/>
+          <a:miter lim="800000"/>
+        </a:ln>
+        <a:effectLst/>
+      </dsp:spPr>
+      <dsp:style>
+        <a:lnRef idx="2">
+          <a:scrgbClr r="0" g="0" b="0"/>
+        </a:lnRef>
+        <a:fillRef idx="1">
+          <a:scrgbClr r="0" g="0" b="0"/>
+        </a:fillRef>
+        <a:effectRef idx="0">
+          <a:scrgbClr r="0" g="0" b="0"/>
+        </a:effectRef>
+        <a:fontRef idx="minor">
+          <a:schemeClr val="lt1"/>
+        </a:fontRef>
+      </dsp:style>
+    </dsp:sp>
+    <dsp:sp modelId="{52C22DAD-89A0-4587-812A-ADAA33DEDEB9}">
+      <dsp:nvSpPr>
+        <dsp:cNvPr id="0" name=""/>
+        <dsp:cNvSpPr/>
+      </dsp:nvSpPr>
+      <dsp:spPr>
+        <a:xfrm>
+          <a:off x="4307840" y="0"/>
+          <a:ext cx="2600960" cy="2275840"/>
+        </a:xfrm>
+        <a:prstGeom prst="rect">
+          <a:avLst/>
+        </a:prstGeom>
+        <a:noFill/>
+        <a:ln>
+          <a:noFill/>
+        </a:ln>
+        <a:effectLst/>
+      </dsp:spPr>
+      <dsp:style>
+        <a:lnRef idx="0">
+          <a:scrgbClr r="0" g="0" b="0"/>
+        </a:lnRef>
+        <a:fillRef idx="0">
+          <a:scrgbClr r="0" g="0" b="0"/>
+        </a:fillRef>
+        <a:effectRef idx="0">
+          <a:scrgbClr r="0" g="0" b="0"/>
+        </a:effectRef>
+        <a:fontRef idx="minor"/>
+      </dsp:style>
+      <dsp:txBody>
+        <a:bodyPr spcFirstLastPara="0" vert="horz" wrap="square" lIns="199136" tIns="199136" rIns="199136" bIns="199136" numCol="1" spcCol="1270" anchor="ctr" anchorCtr="0">
+          <a:noAutofit/>
+        </a:bodyPr>
+        <a:lstStyle/>
+        <a:p>
+          <a:pPr marL="0" lvl="0" indent="0" algn="ctr" defTabSz="1244600">
+            <a:lnSpc>
+              <a:spcPct val="90000"/>
+            </a:lnSpc>
+            <a:spcBef>
+              <a:spcPct val="0"/>
+            </a:spcBef>
+            <a:spcAft>
+              <a:spcPct val="35000"/>
+            </a:spcAft>
+            <a:buNone/>
+          </a:pPr>
+          <a:r>
+            <a:rPr lang="en-US" sz="2800" kern="1200" dirty="0"/>
+            <a:t>Redux</a:t>
+          </a:r>
+        </a:p>
+      </dsp:txBody>
+      <dsp:txXfrm>
+        <a:off x="4307840" y="0"/>
+        <a:ext cx="2600960" cy="2275840"/>
+      </dsp:txXfrm>
+    </dsp:sp>
+    <dsp:sp modelId="{BE016303-73B7-44BB-BD6E-7EC2878926AA}">
+      <dsp:nvSpPr>
+        <dsp:cNvPr id="0" name=""/>
+        <dsp:cNvSpPr/>
+      </dsp:nvSpPr>
+      <dsp:spPr>
+        <a:xfrm>
+          <a:off x="4714239" y="2980266"/>
+          <a:ext cx="2438400" cy="2167466"/>
+        </a:xfrm>
+        <a:prstGeom prst="upArrow">
+          <a:avLst/>
+        </a:prstGeom>
+        <a:solidFill>
+          <a:schemeClr val="accent1">
+            <a:hueOff val="0"/>
+            <a:satOff val="0"/>
+            <a:lumOff val="0"/>
+            <a:alphaOff val="0"/>
+          </a:schemeClr>
+        </a:solidFill>
+        <a:ln w="12700" cap="flat" cmpd="sng" algn="ctr">
+          <a:solidFill>
+            <a:schemeClr val="lt1">
+              <a:hueOff val="0"/>
+              <a:satOff val="0"/>
+              <a:lumOff val="0"/>
+              <a:alphaOff val="0"/>
+            </a:schemeClr>
+          </a:solidFill>
+          <a:prstDash val="solid"/>
+          <a:miter lim="800000"/>
+        </a:ln>
+        <a:effectLst/>
+      </dsp:spPr>
+      <dsp:style>
+        <a:lnRef idx="2">
+          <a:scrgbClr r="0" g="0" b="0"/>
+        </a:lnRef>
+        <a:fillRef idx="1">
+          <a:scrgbClr r="0" g="0" b="0"/>
+        </a:fillRef>
+        <a:effectRef idx="0">
+          <a:scrgbClr r="0" g="0" b="0"/>
+        </a:effectRef>
+        <a:fontRef idx="minor">
+          <a:schemeClr val="lt1"/>
+        </a:fontRef>
+      </dsp:style>
+    </dsp:sp>
+    <dsp:sp modelId="{670AA6E5-33D0-4D5C-B1FC-C94AD308CFD8}">
+      <dsp:nvSpPr>
+        <dsp:cNvPr id="0" name=""/>
+        <dsp:cNvSpPr/>
+      </dsp:nvSpPr>
+      <dsp:spPr>
+        <a:xfrm>
+          <a:off x="1219200" y="3142826"/>
+          <a:ext cx="2600960" cy="2275840"/>
+        </a:xfrm>
+        <a:prstGeom prst="rect">
+          <a:avLst/>
+        </a:prstGeom>
+        <a:noFill/>
+        <a:ln>
+          <a:noFill/>
+        </a:ln>
+        <a:effectLst/>
+      </dsp:spPr>
+      <dsp:style>
+        <a:lnRef idx="0">
+          <a:scrgbClr r="0" g="0" b="0"/>
+        </a:lnRef>
+        <a:fillRef idx="0">
+          <a:scrgbClr r="0" g="0" b="0"/>
+        </a:fillRef>
+        <a:effectRef idx="0">
+          <a:scrgbClr r="0" g="0" b="0"/>
+        </a:effectRef>
+        <a:fontRef idx="minor"/>
+      </dsp:style>
+      <dsp:txBody>
+        <a:bodyPr spcFirstLastPara="0" vert="horz" wrap="square" lIns="199136" tIns="199136" rIns="199136" bIns="199136" numCol="1" spcCol="1270" anchor="ctr" anchorCtr="0">
+          <a:noAutofit/>
+        </a:bodyPr>
+        <a:lstStyle/>
+        <a:p>
+          <a:pPr marL="0" lvl="0" indent="0" algn="ctr" defTabSz="1244600">
+            <a:lnSpc>
+              <a:spcPct val="90000"/>
+            </a:lnSpc>
+            <a:spcBef>
+              <a:spcPct val="0"/>
+            </a:spcBef>
+            <a:spcAft>
+              <a:spcPct val="35000"/>
+            </a:spcAft>
+            <a:buNone/>
+          </a:pPr>
+          <a:r>
+            <a:rPr lang="en-US" sz="2800" kern="1200" dirty="0"/>
+            <a:t>Multithreading</a:t>
+          </a:r>
+        </a:p>
+      </dsp:txBody>
+      <dsp:txXfrm>
+        <a:off x="1219200" y="3142826"/>
+        <a:ext cx="2600960" cy="2275840"/>
+      </dsp:txXfrm>
+    </dsp:sp>
   </dsp:spTree>
 </dsp:drawing>
 </file>
@@ -2439,7 +2685,7 @@
           <a:p>
             <a:fld id="{EAFA9185-DF5D-4CAD-A1D5-87CF2567021B}" type="datetimeFigureOut">
               <a:rPr lang="en-US" smtClean="0"/>
-              <a:t>5/22/2018</a:t>
+              <a:t>9/3/2018</a:t>
             </a:fld>
             <a:endParaRPr lang="en-US"/>
           </a:p>
@@ -2503,38 +2749,37 @@
           <a:p>
             <a:pPr lvl="0"/>
             <a:r>
-              <a:rPr lang="en-US" smtClean="0"/>
+              <a:rPr lang="en-US"/>
               <a:t>Click to edit Master text styles</a:t>
             </a:r>
           </a:p>
           <a:p>
             <a:pPr lvl="1"/>
             <a:r>
-              <a:rPr lang="en-US" smtClean="0"/>
+              <a:rPr lang="en-US"/>
               <a:t>Second level</a:t>
             </a:r>
           </a:p>
           <a:p>
             <a:pPr lvl="2"/>
             <a:r>
-              <a:rPr lang="en-US" smtClean="0"/>
+              <a:rPr lang="en-US"/>
               <a:t>Third level</a:t>
             </a:r>
           </a:p>
           <a:p>
             <a:pPr lvl="3"/>
             <a:r>
-              <a:rPr lang="en-US" smtClean="0"/>
+              <a:rPr lang="en-US"/>
               <a:t>Fourth level</a:t>
             </a:r>
           </a:p>
           <a:p>
             <a:pPr lvl="4"/>
             <a:r>
-              <a:rPr lang="en-US" smtClean="0"/>
+              <a:rPr lang="en-US"/>
               <a:t>Fifth level</a:t>
             </a:r>
-            <a:endParaRPr lang="en-US"/>
           </a:p>
         </p:txBody>
       </p:sp>
@@ -2917,10 +3162,9 @@
           </a:lstStyle>
           <a:p>
             <a:r>
-              <a:rPr lang="en-US" smtClean="0"/>
+              <a:rPr lang="en-US"/>
               <a:t>Click to edit Master title style</a:t>
             </a:r>
-            <a:endParaRPr lang="en-US"/>
           </a:p>
         </p:txBody>
       </p:sp>
@@ -2982,10 +3226,9 @@
           </a:lstStyle>
           <a:p>
             <a:r>
-              <a:rPr lang="en-US" smtClean="0"/>
+              <a:rPr lang="en-US"/>
               <a:t>Click to edit Master subtitle style</a:t>
             </a:r>
-            <a:endParaRPr lang="en-US"/>
           </a:p>
         </p:txBody>
       </p:sp>
@@ -3006,7 +3249,7 @@
           <a:p>
             <a:fld id="{FAC21CDA-1588-449B-B5C6-424EBC288B59}" type="datetimeFigureOut">
               <a:rPr lang="en-US" smtClean="0"/>
-              <a:t>5/22/2018</a:t>
+              <a:t>9/3/2018</a:t>
             </a:fld>
             <a:endParaRPr lang="en-US"/>
           </a:p>
@@ -3100,10 +3343,9 @@
           <a:lstStyle/>
           <a:p>
             <a:r>
-              <a:rPr lang="en-US" smtClean="0"/>
+              <a:rPr lang="en-US"/>
               <a:t>Click to edit Master title style</a:t>
             </a:r>
-            <a:endParaRPr lang="en-US"/>
           </a:p>
         </p:txBody>
       </p:sp>
@@ -3124,38 +3366,37 @@
           <a:p>
             <a:pPr lvl="0"/>
             <a:r>
-              <a:rPr lang="en-US" smtClean="0"/>
+              <a:rPr lang="en-US"/>
               <a:t>Click to edit Master text styles</a:t>
             </a:r>
           </a:p>
           <a:p>
             <a:pPr lvl="1"/>
             <a:r>
-              <a:rPr lang="en-US" smtClean="0"/>
+              <a:rPr lang="en-US"/>
               <a:t>Second level</a:t>
             </a:r>
           </a:p>
           <a:p>
             <a:pPr lvl="2"/>
             <a:r>
-              <a:rPr lang="en-US" smtClean="0"/>
+              <a:rPr lang="en-US"/>
               <a:t>Third level</a:t>
             </a:r>
           </a:p>
           <a:p>
             <a:pPr lvl="3"/>
             <a:r>
-              <a:rPr lang="en-US" smtClean="0"/>
+              <a:rPr lang="en-US"/>
               <a:t>Fourth level</a:t>
             </a:r>
           </a:p>
           <a:p>
             <a:pPr lvl="4"/>
             <a:r>
-              <a:rPr lang="en-US" smtClean="0"/>
+              <a:rPr lang="en-US"/>
               <a:t>Fifth level</a:t>
             </a:r>
-            <a:endParaRPr lang="en-US"/>
           </a:p>
         </p:txBody>
       </p:sp>
@@ -3176,7 +3417,7 @@
           <a:p>
             <a:fld id="{FAC21CDA-1588-449B-B5C6-424EBC288B59}" type="datetimeFigureOut">
               <a:rPr lang="en-US" smtClean="0"/>
-              <a:t>5/22/2018</a:t>
+              <a:t>9/3/2018</a:t>
             </a:fld>
             <a:endParaRPr lang="en-US"/>
           </a:p>
@@ -3275,10 +3516,9 @@
           <a:lstStyle/>
           <a:p>
             <a:r>
-              <a:rPr lang="en-US" smtClean="0"/>
+              <a:rPr lang="en-US"/>
               <a:t>Click to edit Master title style</a:t>
             </a:r>
-            <a:endParaRPr lang="en-US"/>
           </a:p>
         </p:txBody>
       </p:sp>
@@ -3304,38 +3544,37 @@
           <a:p>
             <a:pPr lvl="0"/>
             <a:r>
-              <a:rPr lang="en-US" smtClean="0"/>
+              <a:rPr lang="en-US"/>
               <a:t>Click to edit Master text styles</a:t>
             </a:r>
           </a:p>
           <a:p>
             <a:pPr lvl="1"/>
             <a:r>
-              <a:rPr lang="en-US" smtClean="0"/>
+              <a:rPr lang="en-US"/>
               <a:t>Second level</a:t>
             </a:r>
           </a:p>
           <a:p>
             <a:pPr lvl="2"/>
             <a:r>
-              <a:rPr lang="en-US" smtClean="0"/>
+              <a:rPr lang="en-US"/>
               <a:t>Third level</a:t>
             </a:r>
           </a:p>
           <a:p>
             <a:pPr lvl="3"/>
             <a:r>
-              <a:rPr lang="en-US" smtClean="0"/>
+              <a:rPr lang="en-US"/>
               <a:t>Fourth level</a:t>
             </a:r>
           </a:p>
           <a:p>
             <a:pPr lvl="4"/>
             <a:r>
-              <a:rPr lang="en-US" smtClean="0"/>
+              <a:rPr lang="en-US"/>
               <a:t>Fifth level</a:t>
             </a:r>
-            <a:endParaRPr lang="en-US"/>
           </a:p>
         </p:txBody>
       </p:sp>
@@ -3356,7 +3595,7 @@
           <a:p>
             <a:fld id="{FAC21CDA-1588-449B-B5C6-424EBC288B59}" type="datetimeFigureOut">
               <a:rPr lang="en-US" smtClean="0"/>
-              <a:t>5/22/2018</a:t>
+              <a:t>9/3/2018</a:t>
             </a:fld>
             <a:endParaRPr lang="en-US"/>
           </a:p>
@@ -3450,10 +3689,9 @@
           <a:lstStyle/>
           <a:p>
             <a:r>
-              <a:rPr lang="en-US" smtClean="0"/>
+              <a:rPr lang="en-US"/>
               <a:t>Click to edit Master title style</a:t>
             </a:r>
-            <a:endParaRPr lang="en-US"/>
           </a:p>
         </p:txBody>
       </p:sp>
@@ -3474,38 +3712,37 @@
           <a:p>
             <a:pPr lvl="0"/>
             <a:r>
-              <a:rPr lang="en-US" smtClean="0"/>
+              <a:rPr lang="en-US"/>
               <a:t>Click to edit Master text styles</a:t>
             </a:r>
           </a:p>
           <a:p>
             <a:pPr lvl="1"/>
             <a:r>
-              <a:rPr lang="en-US" smtClean="0"/>
+              <a:rPr lang="en-US"/>
               <a:t>Second level</a:t>
             </a:r>
           </a:p>
           <a:p>
             <a:pPr lvl="2"/>
             <a:r>
-              <a:rPr lang="en-US" smtClean="0"/>
+              <a:rPr lang="en-US"/>
               <a:t>Third level</a:t>
             </a:r>
           </a:p>
           <a:p>
             <a:pPr lvl="3"/>
             <a:r>
-              <a:rPr lang="en-US" smtClean="0"/>
+              <a:rPr lang="en-US"/>
               <a:t>Fourth level</a:t>
             </a:r>
           </a:p>
           <a:p>
             <a:pPr lvl="4"/>
             <a:r>
-              <a:rPr lang="en-US" smtClean="0"/>
+              <a:rPr lang="en-US"/>
               <a:t>Fifth level</a:t>
             </a:r>
-            <a:endParaRPr lang="en-US"/>
           </a:p>
         </p:txBody>
       </p:sp>
@@ -3526,7 +3763,7 @@
           <a:p>
             <a:fld id="{FAC21CDA-1588-449B-B5C6-424EBC288B59}" type="datetimeFigureOut">
               <a:rPr lang="en-US" smtClean="0"/>
-              <a:t>5/22/2018</a:t>
+              <a:t>9/3/2018</a:t>
             </a:fld>
             <a:endParaRPr lang="en-US"/>
           </a:p>
@@ -3629,10 +3866,9 @@
           </a:lstStyle>
           <a:p>
             <a:r>
-              <a:rPr lang="en-US" smtClean="0"/>
+              <a:rPr lang="en-US"/>
               <a:t>Click to edit Master title style</a:t>
             </a:r>
-            <a:endParaRPr lang="en-US"/>
           </a:p>
         </p:txBody>
       </p:sp>
@@ -3749,7 +3985,7 @@
           <a:p>
             <a:pPr lvl="0"/>
             <a:r>
-              <a:rPr lang="en-US" smtClean="0"/>
+              <a:rPr lang="en-US"/>
               <a:t>Click to edit Master text styles</a:t>
             </a:r>
           </a:p>
@@ -3772,7 +4008,7 @@
           <a:p>
             <a:fld id="{FAC21CDA-1588-449B-B5C6-424EBC288B59}" type="datetimeFigureOut">
               <a:rPr lang="en-US" smtClean="0"/>
-              <a:t>5/22/2018</a:t>
+              <a:t>9/3/2018</a:t>
             </a:fld>
             <a:endParaRPr lang="en-US"/>
           </a:p>
@@ -3866,10 +4102,9 @@
           <a:lstStyle/>
           <a:p>
             <a:r>
-              <a:rPr lang="en-US" smtClean="0"/>
+              <a:rPr lang="en-US"/>
               <a:t>Click to edit Master title style</a:t>
             </a:r>
-            <a:endParaRPr lang="en-US"/>
           </a:p>
         </p:txBody>
       </p:sp>
@@ -3895,38 +4130,37 @@
           <a:p>
             <a:pPr lvl="0"/>
             <a:r>
-              <a:rPr lang="en-US" smtClean="0"/>
+              <a:rPr lang="en-US"/>
               <a:t>Click to edit Master text styles</a:t>
             </a:r>
           </a:p>
           <a:p>
             <a:pPr lvl="1"/>
             <a:r>
-              <a:rPr lang="en-US" smtClean="0"/>
+              <a:rPr lang="en-US"/>
               <a:t>Second level</a:t>
             </a:r>
           </a:p>
           <a:p>
             <a:pPr lvl="2"/>
             <a:r>
-              <a:rPr lang="en-US" smtClean="0"/>
+              <a:rPr lang="en-US"/>
               <a:t>Third level</a:t>
             </a:r>
           </a:p>
           <a:p>
             <a:pPr lvl="3"/>
             <a:r>
-              <a:rPr lang="en-US" smtClean="0"/>
+              <a:rPr lang="en-US"/>
               <a:t>Fourth level</a:t>
             </a:r>
           </a:p>
           <a:p>
             <a:pPr lvl="4"/>
             <a:r>
-              <a:rPr lang="en-US" smtClean="0"/>
+              <a:rPr lang="en-US"/>
               <a:t>Fifth level</a:t>
             </a:r>
-            <a:endParaRPr lang="en-US"/>
           </a:p>
         </p:txBody>
       </p:sp>
@@ -3952,38 +4186,37 @@
           <a:p>
             <a:pPr lvl="0"/>
             <a:r>
-              <a:rPr lang="en-US" smtClean="0"/>
+              <a:rPr lang="en-US"/>
               <a:t>Click to edit Master text styles</a:t>
             </a:r>
           </a:p>
           <a:p>
             <a:pPr lvl="1"/>
             <a:r>
-              <a:rPr lang="en-US" smtClean="0"/>
+              <a:rPr lang="en-US"/>
               <a:t>Second level</a:t>
             </a:r>
           </a:p>
           <a:p>
             <a:pPr lvl="2"/>
             <a:r>
-              <a:rPr lang="en-US" smtClean="0"/>
+              <a:rPr lang="en-US"/>
               <a:t>Third level</a:t>
             </a:r>
           </a:p>
           <a:p>
             <a:pPr lvl="3"/>
             <a:r>
-              <a:rPr lang="en-US" smtClean="0"/>
+              <a:rPr lang="en-US"/>
               <a:t>Fourth level</a:t>
             </a:r>
           </a:p>
           <a:p>
             <a:pPr lvl="4"/>
             <a:r>
-              <a:rPr lang="en-US" smtClean="0"/>
+              <a:rPr lang="en-US"/>
               <a:t>Fifth level</a:t>
             </a:r>
-            <a:endParaRPr lang="en-US"/>
           </a:p>
         </p:txBody>
       </p:sp>
@@ -4004,7 +4237,7 @@
           <a:p>
             <a:fld id="{FAC21CDA-1588-449B-B5C6-424EBC288B59}" type="datetimeFigureOut">
               <a:rPr lang="en-US" smtClean="0"/>
-              <a:t>5/22/2018</a:t>
+              <a:t>9/3/2018</a:t>
             </a:fld>
             <a:endParaRPr lang="en-US"/>
           </a:p>
@@ -4103,10 +4336,9 @@
           <a:lstStyle/>
           <a:p>
             <a:r>
-              <a:rPr lang="en-US" smtClean="0"/>
+              <a:rPr lang="en-US"/>
               <a:t>Click to edit Master title style</a:t>
             </a:r>
-            <a:endParaRPr lang="en-US"/>
           </a:p>
         </p:txBody>
       </p:sp>
@@ -4169,7 +4401,7 @@
           <a:p>
             <a:pPr lvl="0"/>
             <a:r>
-              <a:rPr lang="en-US" smtClean="0"/>
+              <a:rPr lang="en-US"/>
               <a:t>Click to edit Master text styles</a:t>
             </a:r>
           </a:p>
@@ -4197,38 +4429,37 @@
           <a:p>
             <a:pPr lvl="0"/>
             <a:r>
-              <a:rPr lang="en-US" smtClean="0"/>
+              <a:rPr lang="en-US"/>
               <a:t>Click to edit Master text styles</a:t>
             </a:r>
           </a:p>
           <a:p>
             <a:pPr lvl="1"/>
             <a:r>
-              <a:rPr lang="en-US" smtClean="0"/>
+              <a:rPr lang="en-US"/>
               <a:t>Second level</a:t>
             </a:r>
           </a:p>
           <a:p>
             <a:pPr lvl="2"/>
             <a:r>
-              <a:rPr lang="en-US" smtClean="0"/>
+              <a:rPr lang="en-US"/>
               <a:t>Third level</a:t>
             </a:r>
           </a:p>
           <a:p>
             <a:pPr lvl="3"/>
             <a:r>
-              <a:rPr lang="en-US" smtClean="0"/>
+              <a:rPr lang="en-US"/>
               <a:t>Fourth level</a:t>
             </a:r>
           </a:p>
           <a:p>
             <a:pPr lvl="4"/>
             <a:r>
-              <a:rPr lang="en-US" smtClean="0"/>
+              <a:rPr lang="en-US"/>
               <a:t>Fifth level</a:t>
             </a:r>
-            <a:endParaRPr lang="en-US"/>
           </a:p>
         </p:txBody>
       </p:sp>
@@ -4291,7 +4522,7 @@
           <a:p>
             <a:pPr lvl="0"/>
             <a:r>
-              <a:rPr lang="en-US" smtClean="0"/>
+              <a:rPr lang="en-US"/>
               <a:t>Click to edit Master text styles</a:t>
             </a:r>
           </a:p>
@@ -4319,38 +4550,37 @@
           <a:p>
             <a:pPr lvl="0"/>
             <a:r>
-              <a:rPr lang="en-US" smtClean="0"/>
+              <a:rPr lang="en-US"/>
               <a:t>Click to edit Master text styles</a:t>
             </a:r>
           </a:p>
           <a:p>
             <a:pPr lvl="1"/>
             <a:r>
-              <a:rPr lang="en-US" smtClean="0"/>
+              <a:rPr lang="en-US"/>
               <a:t>Second level</a:t>
             </a:r>
           </a:p>
           <a:p>
             <a:pPr lvl="2"/>
             <a:r>
-              <a:rPr lang="en-US" smtClean="0"/>
+              <a:rPr lang="en-US"/>
               <a:t>Third level</a:t>
             </a:r>
           </a:p>
           <a:p>
             <a:pPr lvl="3"/>
             <a:r>
-              <a:rPr lang="en-US" smtClean="0"/>
+              <a:rPr lang="en-US"/>
               <a:t>Fourth level</a:t>
             </a:r>
           </a:p>
           <a:p>
             <a:pPr lvl="4"/>
             <a:r>
-              <a:rPr lang="en-US" smtClean="0"/>
+              <a:rPr lang="en-US"/>
               <a:t>Fifth level</a:t>
             </a:r>
-            <a:endParaRPr lang="en-US"/>
           </a:p>
         </p:txBody>
       </p:sp>
@@ -4371,7 +4601,7 @@
           <a:p>
             <a:fld id="{FAC21CDA-1588-449B-B5C6-424EBC288B59}" type="datetimeFigureOut">
               <a:rPr lang="en-US" smtClean="0"/>
-              <a:t>5/22/2018</a:t>
+              <a:t>9/3/2018</a:t>
             </a:fld>
             <a:endParaRPr lang="en-US"/>
           </a:p>
@@ -4465,10 +4695,9 @@
           <a:lstStyle/>
           <a:p>
             <a:r>
-              <a:rPr lang="en-US" smtClean="0"/>
+              <a:rPr lang="en-US"/>
               <a:t>Click to edit Master title style</a:t>
             </a:r>
-            <a:endParaRPr lang="en-US"/>
           </a:p>
         </p:txBody>
       </p:sp>
@@ -4489,7 +4718,7 @@
           <a:p>
             <a:fld id="{FAC21CDA-1588-449B-B5C6-424EBC288B59}" type="datetimeFigureOut">
               <a:rPr lang="en-US" smtClean="0"/>
-              <a:t>5/22/2018</a:t>
+              <a:t>9/3/2018</a:t>
             </a:fld>
             <a:endParaRPr lang="en-US"/>
           </a:p>
@@ -4584,7 +4813,7 @@
           <a:p>
             <a:fld id="{FAC21CDA-1588-449B-B5C6-424EBC288B59}" type="datetimeFigureOut">
               <a:rPr lang="en-US" smtClean="0"/>
-              <a:t>5/22/2018</a:t>
+              <a:t>9/3/2018</a:t>
             </a:fld>
             <a:endParaRPr lang="en-US"/>
           </a:p>
@@ -4687,10 +4916,9 @@
           </a:lstStyle>
           <a:p>
             <a:r>
-              <a:rPr lang="en-US" smtClean="0"/>
+              <a:rPr lang="en-US"/>
               <a:t>Click to edit Master title style</a:t>
             </a:r>
-            <a:endParaRPr lang="en-US"/>
           </a:p>
         </p:txBody>
       </p:sp>
@@ -4744,38 +4972,37 @@
           <a:p>
             <a:pPr lvl="0"/>
             <a:r>
-              <a:rPr lang="en-US" smtClean="0"/>
+              <a:rPr lang="en-US"/>
               <a:t>Click to edit Master text styles</a:t>
             </a:r>
           </a:p>
           <a:p>
             <a:pPr lvl="1"/>
             <a:r>
-              <a:rPr lang="en-US" smtClean="0"/>
+              <a:rPr lang="en-US"/>
               <a:t>Second level</a:t>
             </a:r>
           </a:p>
           <a:p>
             <a:pPr lvl="2"/>
             <a:r>
-              <a:rPr lang="en-US" smtClean="0"/>
+              <a:rPr lang="en-US"/>
               <a:t>Third level</a:t>
             </a:r>
           </a:p>
           <a:p>
             <a:pPr lvl="3"/>
             <a:r>
-              <a:rPr lang="en-US" smtClean="0"/>
+              <a:rPr lang="en-US"/>
               <a:t>Fourth level</a:t>
             </a:r>
           </a:p>
           <a:p>
             <a:pPr lvl="4"/>
             <a:r>
-              <a:rPr lang="en-US" smtClean="0"/>
+              <a:rPr lang="en-US"/>
               <a:t>Fifth level</a:t>
             </a:r>
-            <a:endParaRPr lang="en-US"/>
           </a:p>
         </p:txBody>
       </p:sp>
@@ -4838,7 +5065,7 @@
           <a:p>
             <a:pPr lvl="0"/>
             <a:r>
-              <a:rPr lang="en-US" smtClean="0"/>
+              <a:rPr lang="en-US"/>
               <a:t>Click to edit Master text styles</a:t>
             </a:r>
           </a:p>
@@ -4861,7 +5088,7 @@
           <a:p>
             <a:fld id="{FAC21CDA-1588-449B-B5C6-424EBC288B59}" type="datetimeFigureOut">
               <a:rPr lang="en-US" smtClean="0"/>
-              <a:t>5/22/2018</a:t>
+              <a:t>9/3/2018</a:t>
             </a:fld>
             <a:endParaRPr lang="en-US"/>
           </a:p>
@@ -4964,10 +5191,9 @@
           </a:lstStyle>
           <a:p>
             <a:r>
-              <a:rPr lang="en-US" smtClean="0"/>
+              <a:rPr lang="en-US"/>
               <a:t>Click to edit Master title style</a:t>
             </a:r>
-            <a:endParaRPr lang="en-US"/>
           </a:p>
         </p:txBody>
       </p:sp>
@@ -5091,7 +5317,7 @@
           <a:p>
             <a:pPr lvl="0"/>
             <a:r>
-              <a:rPr lang="en-US" smtClean="0"/>
+              <a:rPr lang="en-US"/>
               <a:t>Click to edit Master text styles</a:t>
             </a:r>
           </a:p>
@@ -5114,7 +5340,7 @@
           <a:p>
             <a:fld id="{FAC21CDA-1588-449B-B5C6-424EBC288B59}" type="datetimeFigureOut">
               <a:rPr lang="en-US" smtClean="0"/>
-              <a:t>5/22/2018</a:t>
+              <a:t>9/3/2018</a:t>
             </a:fld>
             <a:endParaRPr lang="en-US"/>
           </a:p>
@@ -5223,10 +5449,9 @@
           <a:lstStyle/>
           <a:p>
             <a:r>
-              <a:rPr lang="en-US" smtClean="0"/>
+              <a:rPr lang="en-US"/>
               <a:t>Click to edit Master title style</a:t>
             </a:r>
-            <a:endParaRPr lang="en-US"/>
           </a:p>
         </p:txBody>
       </p:sp>
@@ -5257,38 +5482,37 @@
           <a:p>
             <a:pPr lvl="0"/>
             <a:r>
-              <a:rPr lang="en-US" smtClean="0"/>
+              <a:rPr lang="en-US"/>
               <a:t>Click to edit Master text styles</a:t>
             </a:r>
           </a:p>
           <a:p>
             <a:pPr lvl="1"/>
             <a:r>
-              <a:rPr lang="en-US" smtClean="0"/>
+              <a:rPr lang="en-US"/>
               <a:t>Second level</a:t>
             </a:r>
           </a:p>
           <a:p>
             <a:pPr lvl="2"/>
             <a:r>
-              <a:rPr lang="en-US" smtClean="0"/>
+              <a:rPr lang="en-US"/>
               <a:t>Third level</a:t>
             </a:r>
           </a:p>
           <a:p>
             <a:pPr lvl="3"/>
             <a:r>
-              <a:rPr lang="en-US" smtClean="0"/>
+              <a:rPr lang="en-US"/>
               <a:t>Fourth level</a:t>
             </a:r>
           </a:p>
           <a:p>
             <a:pPr lvl="4"/>
             <a:r>
-              <a:rPr lang="en-US" smtClean="0"/>
+              <a:rPr lang="en-US"/>
               <a:t>Fifth level</a:t>
             </a:r>
-            <a:endParaRPr lang="en-US"/>
           </a:p>
         </p:txBody>
       </p:sp>
@@ -5327,7 +5551,7 @@
           <a:p>
             <a:fld id="{FAC21CDA-1588-449B-B5C6-424EBC288B59}" type="datetimeFigureOut">
               <a:rPr lang="en-US" smtClean="0"/>
-              <a:t>5/22/2018</a:t>
+              <a:t>9/3/2018</a:t>
             </a:fld>
             <a:endParaRPr lang="en-US"/>
           </a:p>
@@ -5782,10 +6006,9 @@
           <a:lstStyle/>
           <a:p>
             <a:r>
-              <a:rPr lang="en-US" dirty="0" smtClean="0"/>
+              <a:rPr lang="en-US" dirty="0"/>
               <a:t>Stav Alfi</a:t>
             </a:r>
-            <a:endParaRPr lang="en-US" dirty="0"/>
           </a:p>
         </p:txBody>
       </p:sp>
@@ -5840,13 +6063,6 @@
   <p:clrMapOvr>
     <a:masterClrMapping/>
   </p:clrMapOvr>
-  <p:timing>
-    <p:tnLst>
-      <p:par>
-        <p:cTn id="1" dur="indefinite" restart="never" nodeType="tmRoot"/>
-      </p:par>
-    </p:tnLst>
-  </p:timing>
 </p:sld>
 </file>
 
@@ -5884,15 +6100,7 @@
           <a:p>
             <a:r>
               <a:rPr lang="en-US" dirty="0"/>
-              <a:t>Aggregated </a:t>
-            </a:r>
-            <a:r>
-              <a:rPr lang="en-US" dirty="0" smtClean="0"/>
-              <a:t>State - </a:t>
-            </a:r>
-            <a:r>
-              <a:rPr lang="en-US" dirty="0"/>
-              <a:t>The problem</a:t>
+              <a:t>Aggregated State - The problem</a:t>
             </a:r>
           </a:p>
         </p:txBody>
@@ -6153,18 +6361,13 @@
           <a:p>
             <a:pPr algn="ctr"/>
             <a:r>
-              <a:rPr lang="en-US" dirty="0" smtClean="0">
+              <a:rPr lang="en-US" dirty="0">
                 <a:solidFill>
                   <a:schemeClr val="tx1"/>
                 </a:solidFill>
               </a:rPr>
               <a:t>F</a:t>
             </a:r>
-            <a:endParaRPr lang="en-US" dirty="0">
-              <a:solidFill>
-                <a:schemeClr val="tx1"/>
-              </a:solidFill>
-            </a:endParaRPr>
           </a:p>
         </p:txBody>
       </p:sp>
@@ -6213,18 +6416,13 @@
           <a:p>
             <a:pPr algn="ctr"/>
             <a:r>
-              <a:rPr lang="en-US" dirty="0" smtClean="0">
+              <a:rPr lang="en-US" dirty="0">
                 <a:solidFill>
                   <a:schemeClr val="tx1"/>
                 </a:solidFill>
               </a:rPr>
               <a:t>T</a:t>
             </a:r>
-            <a:endParaRPr lang="en-US" dirty="0">
-              <a:solidFill>
-                <a:schemeClr val="tx1"/>
-              </a:solidFill>
-            </a:endParaRPr>
           </a:p>
         </p:txBody>
       </p:sp>
@@ -6273,18 +6471,13 @@
           <a:p>
             <a:pPr algn="ctr"/>
             <a:r>
-              <a:rPr lang="en-US" dirty="0" smtClean="0">
+              <a:rPr lang="en-US" dirty="0">
                 <a:solidFill>
                   <a:schemeClr val="tx1"/>
                 </a:solidFill>
               </a:rPr>
               <a:t>F</a:t>
             </a:r>
-            <a:endParaRPr lang="en-US" dirty="0">
-              <a:solidFill>
-                <a:schemeClr val="tx1"/>
-              </a:solidFill>
-            </a:endParaRPr>
           </a:p>
         </p:txBody>
       </p:sp>
@@ -6333,18 +6526,13 @@
           <a:p>
             <a:pPr algn="ctr"/>
             <a:r>
-              <a:rPr lang="en-US" dirty="0" smtClean="0">
+              <a:rPr lang="en-US" dirty="0">
                 <a:solidFill>
                   <a:schemeClr val="tx1"/>
                 </a:solidFill>
               </a:rPr>
               <a:t>T</a:t>
             </a:r>
-            <a:endParaRPr lang="en-US" dirty="0">
-              <a:solidFill>
-                <a:schemeClr val="tx1"/>
-              </a:solidFill>
-            </a:endParaRPr>
           </a:p>
         </p:txBody>
       </p:sp>
@@ -6393,18 +6581,13 @@
           <a:p>
             <a:pPr algn="ctr"/>
             <a:r>
-              <a:rPr lang="en-US" dirty="0" smtClean="0">
+              <a:rPr lang="en-US" dirty="0">
                 <a:solidFill>
                   <a:schemeClr val="tx1"/>
                 </a:solidFill>
               </a:rPr>
               <a:t>F</a:t>
             </a:r>
-            <a:endParaRPr lang="en-US" dirty="0">
-              <a:solidFill>
-                <a:schemeClr val="tx1"/>
-              </a:solidFill>
-            </a:endParaRPr>
           </a:p>
         </p:txBody>
       </p:sp>
@@ -6453,18 +6636,13 @@
           <a:p>
             <a:pPr algn="ctr"/>
             <a:r>
-              <a:rPr lang="en-US" dirty="0" smtClean="0">
+              <a:rPr lang="en-US" dirty="0">
                 <a:solidFill>
                   <a:schemeClr val="tx1"/>
                 </a:solidFill>
               </a:rPr>
               <a:t>T</a:t>
             </a:r>
-            <a:endParaRPr lang="en-US" dirty="0">
-              <a:solidFill>
-                <a:schemeClr val="tx1"/>
-              </a:solidFill>
-            </a:endParaRPr>
           </a:p>
         </p:txBody>
       </p:sp>
@@ -6513,18 +6691,13 @@
           <a:p>
             <a:pPr algn="ctr"/>
             <a:r>
-              <a:rPr lang="en-US" dirty="0" smtClean="0">
+              <a:rPr lang="en-US" dirty="0">
                 <a:solidFill>
                   <a:schemeClr val="tx1"/>
                 </a:solidFill>
               </a:rPr>
               <a:t>F</a:t>
             </a:r>
-            <a:endParaRPr lang="en-US" dirty="0">
-              <a:solidFill>
-                <a:schemeClr val="tx1"/>
-              </a:solidFill>
-            </a:endParaRPr>
           </a:p>
         </p:txBody>
       </p:sp>
@@ -6621,18 +6794,13 @@
           <a:p>
             <a:pPr algn="ctr"/>
             <a:r>
-              <a:rPr lang="en-US" sz="1400" dirty="0" smtClean="0">
+              <a:rPr lang="en-US" sz="1400" dirty="0">
                 <a:solidFill>
                   <a:schemeClr val="tx1"/>
                 </a:solidFill>
               </a:rPr>
               <a:t>0</a:t>
             </a:r>
-            <a:endParaRPr lang="en-US" sz="1400" dirty="0">
-              <a:solidFill>
-                <a:schemeClr val="tx1"/>
-              </a:solidFill>
-            </a:endParaRPr>
           </a:p>
         </p:txBody>
       </p:sp>
@@ -6681,18 +6849,13 @@
           <a:p>
             <a:pPr algn="ctr"/>
             <a:r>
-              <a:rPr lang="en-US" sz="1400" dirty="0" smtClean="0">
+              <a:rPr lang="en-US" sz="1400" dirty="0">
                 <a:solidFill>
                   <a:schemeClr val="tx1"/>
                 </a:solidFill>
               </a:rPr>
               <a:t>3</a:t>
             </a:r>
-            <a:endParaRPr lang="en-US" sz="1400" dirty="0">
-              <a:solidFill>
-                <a:schemeClr val="tx1"/>
-              </a:solidFill>
-            </a:endParaRPr>
           </a:p>
         </p:txBody>
       </p:sp>
@@ -6796,18 +6959,13 @@
           <a:p>
             <a:pPr algn="ctr"/>
             <a:r>
-              <a:rPr lang="en-US" sz="1200" dirty="0" smtClean="0">
+              <a:rPr lang="en-US" sz="1200" dirty="0">
                 <a:solidFill>
                   <a:schemeClr val="tx1"/>
                 </a:solidFill>
               </a:rPr>
               <a:t>10</a:t>
             </a:r>
-            <a:endParaRPr lang="en-US" sz="1200" dirty="0">
-              <a:solidFill>
-                <a:schemeClr val="tx1"/>
-              </a:solidFill>
-            </a:endParaRPr>
           </a:p>
         </p:txBody>
       </p:sp>
@@ -6856,18 +7014,13 @@
           <a:p>
             <a:pPr algn="ctr"/>
             <a:r>
-              <a:rPr lang="en-US" sz="1200" dirty="0" smtClean="0">
+              <a:rPr lang="en-US" sz="1200" dirty="0">
                 <a:solidFill>
                   <a:schemeClr val="tx1"/>
                 </a:solidFill>
               </a:rPr>
               <a:t>0</a:t>
             </a:r>
-            <a:endParaRPr lang="en-US" sz="1200" dirty="0">
-              <a:solidFill>
-                <a:schemeClr val="tx1"/>
-              </a:solidFill>
-            </a:endParaRPr>
           </a:p>
         </p:txBody>
       </p:sp>
@@ -6916,18 +7069,13 @@
           <a:p>
             <a:pPr algn="ctr"/>
             <a:r>
-              <a:rPr lang="en-US" sz="1200" dirty="0" smtClean="0">
+              <a:rPr lang="en-US" sz="1200" dirty="0">
                 <a:solidFill>
                   <a:schemeClr val="tx1"/>
                 </a:solidFill>
               </a:rPr>
               <a:t>19</a:t>
             </a:r>
-            <a:endParaRPr lang="en-US" sz="1200" dirty="0">
-              <a:solidFill>
-                <a:schemeClr val="tx1"/>
-              </a:solidFill>
-            </a:endParaRPr>
           </a:p>
         </p:txBody>
       </p:sp>
@@ -6976,18 +7124,13 @@
           <a:p>
             <a:pPr algn="ctr"/>
             <a:r>
-              <a:rPr lang="en-US" sz="1200" dirty="0" smtClean="0">
+              <a:rPr lang="en-US" sz="1200" dirty="0">
                 <a:solidFill>
                   <a:schemeClr val="tx1"/>
                 </a:solidFill>
               </a:rPr>
               <a:t>4</a:t>
             </a:r>
-            <a:endParaRPr lang="en-US" sz="1200" dirty="0">
-              <a:solidFill>
-                <a:schemeClr val="tx1"/>
-              </a:solidFill>
-            </a:endParaRPr>
           </a:p>
         </p:txBody>
       </p:sp>
@@ -7036,18 +7179,13 @@
           <a:p>
             <a:pPr algn="ctr"/>
             <a:r>
-              <a:rPr lang="en-US" sz="1200" dirty="0" smtClean="0">
+              <a:rPr lang="en-US" sz="1200" dirty="0">
                 <a:solidFill>
                   <a:schemeClr val="tx1"/>
                 </a:solidFill>
               </a:rPr>
               <a:t>0</a:t>
             </a:r>
-            <a:endParaRPr lang="en-US" sz="1200" dirty="0">
-              <a:solidFill>
-                <a:schemeClr val="tx1"/>
-              </a:solidFill>
-            </a:endParaRPr>
           </a:p>
         </p:txBody>
       </p:sp>
@@ -7144,18 +7282,13 @@
           <a:p>
             <a:pPr algn="ctr"/>
             <a:r>
-              <a:rPr lang="en-US" dirty="0" smtClean="0">
+              <a:rPr lang="en-US" dirty="0">
                 <a:solidFill>
                   <a:schemeClr val="tx1"/>
                 </a:solidFill>
               </a:rPr>
               <a:t>F</a:t>
             </a:r>
-            <a:endParaRPr lang="en-US" dirty="0">
-              <a:solidFill>
-                <a:schemeClr val="tx1"/>
-              </a:solidFill>
-            </a:endParaRPr>
           </a:p>
         </p:txBody>
       </p:sp>
@@ -7204,18 +7337,13 @@
           <a:p>
             <a:pPr algn="ctr"/>
             <a:r>
-              <a:rPr lang="en-US" dirty="0" smtClean="0">
+              <a:rPr lang="en-US" dirty="0">
                 <a:solidFill>
                   <a:schemeClr val="tx1"/>
                 </a:solidFill>
               </a:rPr>
               <a:t>T</a:t>
             </a:r>
-            <a:endParaRPr lang="en-US" dirty="0">
-              <a:solidFill>
-                <a:schemeClr val="tx1"/>
-              </a:solidFill>
-            </a:endParaRPr>
           </a:p>
         </p:txBody>
       </p:sp>
@@ -7404,18 +7532,13 @@
           <a:p>
             <a:pPr algn="ctr"/>
             <a:r>
-              <a:rPr lang="en-US" dirty="0" smtClean="0">
+              <a:rPr lang="en-US" dirty="0">
                 <a:solidFill>
                   <a:schemeClr val="tx1"/>
                 </a:solidFill>
               </a:rPr>
               <a:t>T</a:t>
             </a:r>
-            <a:endParaRPr lang="en-US" dirty="0">
-              <a:solidFill>
-                <a:schemeClr val="tx1"/>
-              </a:solidFill>
-            </a:endParaRPr>
           </a:p>
         </p:txBody>
       </p:sp>
@@ -7464,18 +7587,13 @@
           <a:p>
             <a:pPr algn="ctr"/>
             <a:r>
-              <a:rPr lang="en-US" dirty="0" smtClean="0">
+              <a:rPr lang="en-US" dirty="0">
                 <a:solidFill>
                   <a:schemeClr val="tx1"/>
                 </a:solidFill>
               </a:rPr>
               <a:t>T</a:t>
             </a:r>
-            <a:endParaRPr lang="en-US" dirty="0">
-              <a:solidFill>
-                <a:schemeClr val="tx1"/>
-              </a:solidFill>
-            </a:endParaRPr>
           </a:p>
         </p:txBody>
       </p:sp>
@@ -7524,18 +7642,13 @@
           <a:p>
             <a:pPr algn="ctr"/>
             <a:r>
-              <a:rPr lang="en-US" sz="1400" dirty="0" smtClean="0">
+              <a:rPr lang="en-US" sz="1400" dirty="0">
                 <a:solidFill>
                   <a:schemeClr val="tx1"/>
                 </a:solidFill>
               </a:rPr>
               <a:t>0</a:t>
             </a:r>
-            <a:endParaRPr lang="en-US" sz="1400" dirty="0">
-              <a:solidFill>
-                <a:schemeClr val="tx1"/>
-              </a:solidFill>
-            </a:endParaRPr>
           </a:p>
         </p:txBody>
       </p:sp>
@@ -7584,18 +7697,13 @@
           <a:p>
             <a:pPr algn="ctr"/>
             <a:r>
-              <a:rPr lang="en-US" dirty="0" smtClean="0">
+              <a:rPr lang="en-US" dirty="0">
                 <a:solidFill>
                   <a:schemeClr val="tx1"/>
                 </a:solidFill>
               </a:rPr>
               <a:t>F</a:t>
             </a:r>
-            <a:endParaRPr lang="en-US" dirty="0">
-              <a:solidFill>
-                <a:schemeClr val="tx1"/>
-              </a:solidFill>
-            </a:endParaRPr>
           </a:p>
         </p:txBody>
       </p:sp>
@@ -8776,13 +8884,8 @@
           <a:p>
             <a:r>
               <a:rPr lang="en-US" dirty="0"/>
-              <a:t>Aggregated </a:t>
-            </a:r>
-            <a:r>
-              <a:rPr lang="en-US" dirty="0" smtClean="0"/>
-              <a:t>State – Solution 1</a:t>
-            </a:r>
-            <a:endParaRPr lang="en-US" dirty="0"/>
+              <a:t>Aggregated State – Solution 1</a:t>
+            </a:r>
           </a:p>
         </p:txBody>
       </p:sp>
@@ -8852,10 +8955,9 @@
           <a:lstStyle/>
           <a:p>
             <a:r>
-              <a:rPr lang="en-US" sz="2400" dirty="0" smtClean="0"/>
+              <a:rPr lang="en-US" sz="2400" dirty="0"/>
               <a:t>What if we have are cycling dependencies?</a:t>
             </a:r>
-            <a:endParaRPr lang="en-US" sz="2400" dirty="0"/>
           </a:p>
         </p:txBody>
       </p:sp>
@@ -8979,6 +9081,198 @@
           </a:prstGeom>
         </p:spPr>
       </p:pic>
+      <p:sp>
+        <p:nvSpPr>
+          <p:cNvPr id="8" name="Rectangle 7"/>
+          <p:cNvSpPr/>
+          <p:nvPr/>
+        </p:nvSpPr>
+        <p:spPr>
+          <a:xfrm>
+            <a:off x="3377173" y="2595560"/>
+            <a:ext cx="243482" cy="240793"/>
+          </a:xfrm>
+          <a:prstGeom prst="rect">
+            <a:avLst/>
+          </a:prstGeom>
+          <a:solidFill>
+            <a:schemeClr val="bg1"/>
+          </a:solidFill>
+          <a:ln>
+            <a:solidFill>
+              <a:schemeClr val="bg1"/>
+            </a:solidFill>
+          </a:ln>
+        </p:spPr>
+        <p:style>
+          <a:lnRef idx="2">
+            <a:schemeClr val="accent1">
+              <a:shade val="50000"/>
+            </a:schemeClr>
+          </a:lnRef>
+          <a:fillRef idx="1">
+            <a:schemeClr val="accent1"/>
+          </a:fillRef>
+          <a:effectRef idx="0">
+            <a:schemeClr val="accent1"/>
+          </a:effectRef>
+          <a:fontRef idx="minor">
+            <a:schemeClr val="lt1"/>
+          </a:fontRef>
+        </p:style>
+        <p:txBody>
+          <a:bodyPr rtlCol="1" anchor="ctr"/>
+          <a:lstStyle/>
+          <a:p>
+            <a:pPr algn="ctr"/>
+            <a:endParaRPr lang="he-IL"/>
+          </a:p>
+        </p:txBody>
+      </p:sp>
+      <p:sp>
+        <p:nvSpPr>
+          <p:cNvPr id="9" name="Rectangle 8"/>
+          <p:cNvSpPr/>
+          <p:nvPr/>
+        </p:nvSpPr>
+        <p:spPr>
+          <a:xfrm>
+            <a:off x="3313040" y="3801606"/>
+            <a:ext cx="243482" cy="240793"/>
+          </a:xfrm>
+          <a:prstGeom prst="rect">
+            <a:avLst/>
+          </a:prstGeom>
+          <a:solidFill>
+            <a:schemeClr val="bg1"/>
+          </a:solidFill>
+          <a:ln>
+            <a:solidFill>
+              <a:schemeClr val="bg1"/>
+            </a:solidFill>
+          </a:ln>
+        </p:spPr>
+        <p:style>
+          <a:lnRef idx="2">
+            <a:schemeClr val="accent1">
+              <a:shade val="50000"/>
+            </a:schemeClr>
+          </a:lnRef>
+          <a:fillRef idx="1">
+            <a:schemeClr val="accent1"/>
+          </a:fillRef>
+          <a:effectRef idx="0">
+            <a:schemeClr val="accent1"/>
+          </a:effectRef>
+          <a:fontRef idx="minor">
+            <a:schemeClr val="lt1"/>
+          </a:fontRef>
+        </p:style>
+        <p:txBody>
+          <a:bodyPr rtlCol="1" anchor="ctr"/>
+          <a:lstStyle/>
+          <a:p>
+            <a:pPr algn="ctr"/>
+            <a:endParaRPr lang="he-IL"/>
+          </a:p>
+        </p:txBody>
+      </p:sp>
+      <p:sp>
+        <p:nvSpPr>
+          <p:cNvPr id="10" name="Rectangle 9"/>
+          <p:cNvSpPr/>
+          <p:nvPr/>
+        </p:nvSpPr>
+        <p:spPr>
+          <a:xfrm>
+            <a:off x="3368458" y="4299670"/>
+            <a:ext cx="243482" cy="240793"/>
+          </a:xfrm>
+          <a:prstGeom prst="rect">
+            <a:avLst/>
+          </a:prstGeom>
+          <a:solidFill>
+            <a:schemeClr val="bg1"/>
+          </a:solidFill>
+          <a:ln>
+            <a:solidFill>
+              <a:schemeClr val="bg1"/>
+            </a:solidFill>
+          </a:ln>
+        </p:spPr>
+        <p:style>
+          <a:lnRef idx="2">
+            <a:schemeClr val="accent1">
+              <a:shade val="50000"/>
+            </a:schemeClr>
+          </a:lnRef>
+          <a:fillRef idx="1">
+            <a:schemeClr val="accent1"/>
+          </a:fillRef>
+          <a:effectRef idx="0">
+            <a:schemeClr val="accent1"/>
+          </a:effectRef>
+          <a:fontRef idx="minor">
+            <a:schemeClr val="lt1"/>
+          </a:fontRef>
+        </p:style>
+        <p:txBody>
+          <a:bodyPr rtlCol="1" anchor="ctr"/>
+          <a:lstStyle/>
+          <a:p>
+            <a:pPr algn="ctr"/>
+            <a:endParaRPr lang="he-IL"/>
+          </a:p>
+        </p:txBody>
+      </p:sp>
+      <p:sp>
+        <p:nvSpPr>
+          <p:cNvPr id="11" name="Rectangle 10"/>
+          <p:cNvSpPr/>
+          <p:nvPr/>
+        </p:nvSpPr>
+        <p:spPr>
+          <a:xfrm>
+            <a:off x="3312519" y="5234620"/>
+            <a:ext cx="243482" cy="240793"/>
+          </a:xfrm>
+          <a:prstGeom prst="rect">
+            <a:avLst/>
+          </a:prstGeom>
+          <a:solidFill>
+            <a:schemeClr val="bg1"/>
+          </a:solidFill>
+          <a:ln>
+            <a:solidFill>
+              <a:schemeClr val="bg1"/>
+            </a:solidFill>
+          </a:ln>
+        </p:spPr>
+        <p:style>
+          <a:lnRef idx="2">
+            <a:schemeClr val="accent1">
+              <a:shade val="50000"/>
+            </a:schemeClr>
+          </a:lnRef>
+          <a:fillRef idx="1">
+            <a:schemeClr val="accent1"/>
+          </a:fillRef>
+          <a:effectRef idx="0">
+            <a:schemeClr val="accent1"/>
+          </a:effectRef>
+          <a:fontRef idx="minor">
+            <a:schemeClr val="lt1"/>
+          </a:fontRef>
+        </p:style>
+        <p:txBody>
+          <a:bodyPr rtlCol="1" anchor="ctr"/>
+          <a:lstStyle/>
+          <a:p>
+            <a:pPr algn="ctr"/>
+            <a:endParaRPr lang="he-IL"/>
+          </a:p>
+        </p:txBody>
+      </p:sp>
     </p:spTree>
     <p:extLst>
       <p:ext uri="{BB962C8B-B14F-4D97-AF65-F5344CB8AC3E}">
@@ -9115,6 +9409,30 @@
           <a:chExt cx="0" cy="0"/>
         </a:xfrm>
       </p:grpSpPr>
+      <p:pic>
+        <p:nvPicPr>
+          <p:cNvPr id="9" name="Picture 8"/>
+          <p:cNvPicPr>
+            <a:picLocks noChangeAspect="1"/>
+          </p:cNvPicPr>
+          <p:nvPr/>
+        </p:nvPicPr>
+        <p:blipFill>
+          <a:blip r:embed="rId2"/>
+          <a:stretch>
+            <a:fillRect/>
+          </a:stretch>
+        </p:blipFill>
+        <p:spPr>
+          <a:xfrm>
+            <a:off x="3602181" y="2032052"/>
+            <a:ext cx="4509054" cy="4670572"/>
+          </a:xfrm>
+          <a:prstGeom prst="rect">
+            <a:avLst/>
+          </a:prstGeom>
+        </p:spPr>
+      </p:pic>
       <p:sp>
         <p:nvSpPr>
           <p:cNvPr id="2" name="Title 1"/>
@@ -9132,13 +9450,8 @@
           <a:p>
             <a:r>
               <a:rPr lang="en-US" dirty="0"/>
-              <a:t>Aggregated </a:t>
-            </a:r>
-            <a:r>
-              <a:rPr lang="en-US" dirty="0" smtClean="0"/>
-              <a:t>State – Solution 1</a:t>
-            </a:r>
-            <a:endParaRPr lang="en-US" dirty="0"/>
+              <a:t>Aggregated State – Solution 1</a:t>
+            </a:r>
           </a:p>
         </p:txBody>
       </p:sp>
@@ -9153,7 +9466,7 @@
           </p:nvPr>
         </p:nvPicPr>
         <p:blipFill>
-          <a:blip r:embed="rId2" cstate="print">
+          <a:blip r:embed="rId3" cstate="print">
             <a:extLst>
               <a:ext uri="{28A0092B-C50C-407E-A947-70E740481C1C}">
                 <a14:useLocalDpi xmlns:a14="http://schemas.microsoft.com/office/drawing/2010/main" val="0"/>
@@ -9208,10 +9521,9 @@
           <a:lstStyle/>
           <a:p>
             <a:r>
-              <a:rPr lang="en-US" sz="2400" dirty="0" smtClean="0"/>
+              <a:rPr lang="en-US" sz="2400" dirty="0"/>
               <a:t>Can you give examples for invalid states?</a:t>
             </a:r>
-            <a:endParaRPr lang="en-US" sz="2400" dirty="0"/>
           </a:p>
         </p:txBody>
       </p:sp>
@@ -9223,7 +9535,7 @@
         </p:nvSpPr>
         <p:spPr>
           <a:xfrm>
-            <a:off x="2393576" y="3074892"/>
+            <a:off x="2662328" y="2271329"/>
             <a:ext cx="842683" cy="1927413"/>
           </a:xfrm>
           <a:prstGeom prst="curvedRightArrow">
@@ -9271,7 +9583,7 @@
         </p:nvSpPr>
         <p:spPr>
           <a:xfrm flipH="1" flipV="1">
-            <a:off x="8310281" y="2922493"/>
+            <a:off x="8208405" y="2154146"/>
             <a:ext cx="914399" cy="1945337"/>
           </a:xfrm>
           <a:prstGeom prst="curvedRightArrow">
@@ -9303,7 +9615,7 @@
           <a:lstStyle/>
           <a:p>
             <a:pPr algn="ctr"/>
-            <a:endParaRPr lang="en-US">
+            <a:endParaRPr lang="en-US" dirty="0">
               <a:solidFill>
                 <a:schemeClr val="tx1"/>
               </a:solidFill>
@@ -9311,30 +9623,146 @@
           </a:p>
         </p:txBody>
       </p:sp>
-      <p:pic>
-        <p:nvPicPr>
-          <p:cNvPr id="5" name="Picture 4"/>
-          <p:cNvPicPr>
-            <a:picLocks noChangeAspect="1"/>
-          </p:cNvPicPr>
-          <p:nvPr/>
-        </p:nvPicPr>
-        <p:blipFill>
-          <a:blip r:embed="rId3"/>
-          <a:stretch>
-            <a:fillRect/>
-          </a:stretch>
-        </p:blipFill>
-        <p:spPr>
-          <a:xfrm>
-            <a:off x="3520607" y="2658315"/>
-            <a:ext cx="4505325" cy="2886075"/>
+      <p:sp>
+        <p:nvSpPr>
+          <p:cNvPr id="8" name="Rectangle 7"/>
+          <p:cNvSpPr/>
+          <p:nvPr/>
+        </p:nvSpPr>
+        <p:spPr>
+          <a:xfrm>
+            <a:off x="3602181" y="2031999"/>
+            <a:ext cx="4411884" cy="784274"/>
           </a:xfrm>
           <a:prstGeom prst="rect">
             <a:avLst/>
           </a:prstGeom>
-        </p:spPr>
-      </p:pic>
+          <a:noFill/>
+          <a:ln>
+            <a:solidFill>
+              <a:schemeClr val="tx1"/>
+            </a:solidFill>
+          </a:ln>
+        </p:spPr>
+        <p:style>
+          <a:lnRef idx="2">
+            <a:schemeClr val="accent1">
+              <a:shade val="50000"/>
+            </a:schemeClr>
+          </a:lnRef>
+          <a:fillRef idx="1">
+            <a:schemeClr val="accent1"/>
+          </a:fillRef>
+          <a:effectRef idx="0">
+            <a:schemeClr val="accent1"/>
+          </a:effectRef>
+          <a:fontRef idx="minor">
+            <a:schemeClr val="lt1"/>
+          </a:fontRef>
+        </p:style>
+        <p:txBody>
+          <a:bodyPr rtlCol="1" anchor="ctr"/>
+          <a:lstStyle/>
+          <a:p>
+            <a:pPr algn="ctr"/>
+            <a:endParaRPr lang="he-IL"/>
+          </a:p>
+        </p:txBody>
+      </p:sp>
+      <p:sp>
+        <p:nvSpPr>
+          <p:cNvPr id="11" name="Rectangle 10"/>
+          <p:cNvSpPr/>
+          <p:nvPr/>
+        </p:nvSpPr>
+        <p:spPr>
+          <a:xfrm>
+            <a:off x="3605141" y="2935396"/>
+            <a:ext cx="4408924" cy="3767227"/>
+          </a:xfrm>
+          <a:prstGeom prst="rect">
+            <a:avLst/>
+          </a:prstGeom>
+          <a:noFill/>
+          <a:ln>
+            <a:solidFill>
+              <a:schemeClr val="tx1"/>
+            </a:solidFill>
+          </a:ln>
+        </p:spPr>
+        <p:style>
+          <a:lnRef idx="2">
+            <a:schemeClr val="accent1">
+              <a:shade val="50000"/>
+            </a:schemeClr>
+          </a:lnRef>
+          <a:fillRef idx="1">
+            <a:schemeClr val="accent1"/>
+          </a:fillRef>
+          <a:effectRef idx="0">
+            <a:schemeClr val="accent1"/>
+          </a:effectRef>
+          <a:fontRef idx="minor">
+            <a:schemeClr val="lt1"/>
+          </a:fontRef>
+        </p:style>
+        <p:txBody>
+          <a:bodyPr rtlCol="1" anchor="ctr"/>
+          <a:lstStyle/>
+          <a:p>
+            <a:pPr algn="ctr"/>
+            <a:endParaRPr lang="he-IL"/>
+          </a:p>
+        </p:txBody>
+      </p:sp>
+      <p:sp>
+        <p:nvSpPr>
+          <p:cNvPr id="13" name="Rectangle 12"/>
+          <p:cNvSpPr/>
+          <p:nvPr/>
+        </p:nvSpPr>
+        <p:spPr>
+          <a:xfrm>
+            <a:off x="3740728" y="2668491"/>
+            <a:ext cx="212436" cy="93971"/>
+          </a:xfrm>
+          <a:prstGeom prst="rect">
+            <a:avLst/>
+          </a:prstGeom>
+          <a:solidFill>
+            <a:schemeClr val="bg1"/>
+          </a:solidFill>
+          <a:ln>
+            <a:solidFill>
+              <a:schemeClr val="bg1"/>
+            </a:solidFill>
+          </a:ln>
+        </p:spPr>
+        <p:style>
+          <a:lnRef idx="2">
+            <a:schemeClr val="accent1">
+              <a:shade val="50000"/>
+            </a:schemeClr>
+          </a:lnRef>
+          <a:fillRef idx="1">
+            <a:schemeClr val="accent1"/>
+          </a:fillRef>
+          <a:effectRef idx="0">
+            <a:schemeClr val="accent1"/>
+          </a:effectRef>
+          <a:fontRef idx="minor">
+            <a:schemeClr val="lt1"/>
+          </a:fontRef>
+        </p:style>
+        <p:txBody>
+          <a:bodyPr rtlCol="1" anchor="ctr"/>
+          <a:lstStyle/>
+          <a:p>
+            <a:pPr algn="ctr"/>
+            <a:endParaRPr lang="he-IL"/>
+          </a:p>
+        </p:txBody>
+      </p:sp>
     </p:spTree>
     <p:extLst>
       <p:ext uri="{BB962C8B-B14F-4D97-AF65-F5344CB8AC3E}">
@@ -9488,15 +9916,7 @@
           <a:p>
             <a:r>
               <a:rPr lang="en-US" dirty="0"/>
-              <a:t>Aggregated </a:t>
-            </a:r>
-            <a:r>
-              <a:rPr lang="en-US" dirty="0" smtClean="0"/>
-              <a:t>State </a:t>
-            </a:r>
-            <a:r>
-              <a:rPr lang="en-US" dirty="0"/>
-              <a:t>– Solution 1</a:t>
+              <a:t>Aggregated State – Solution 1</a:t>
             </a:r>
           </a:p>
         </p:txBody>
@@ -9637,18 +10057,13 @@
           <a:p>
             <a:pPr algn="ctr"/>
             <a:r>
-              <a:rPr lang="en-US" dirty="0" smtClean="0">
+              <a:rPr lang="en-US" dirty="0">
                 <a:solidFill>
                   <a:schemeClr val="tx1"/>
                 </a:solidFill>
               </a:rPr>
               <a:t>F</a:t>
             </a:r>
-            <a:endParaRPr lang="en-US" dirty="0">
-              <a:solidFill>
-                <a:schemeClr val="tx1"/>
-              </a:solidFill>
-            </a:endParaRPr>
           </a:p>
         </p:txBody>
       </p:sp>
@@ -9697,18 +10112,13 @@
           <a:p>
             <a:pPr algn="ctr"/>
             <a:r>
-              <a:rPr lang="en-US" sz="1600" dirty="0" smtClean="0">
+              <a:rPr lang="en-US" sz="1600" dirty="0">
                 <a:solidFill>
                   <a:schemeClr val="tx1"/>
                 </a:solidFill>
               </a:rPr>
               <a:t>IP</a:t>
             </a:r>
-            <a:endParaRPr lang="en-US" sz="1600" dirty="0">
-              <a:solidFill>
-                <a:schemeClr val="tx1"/>
-              </a:solidFill>
-            </a:endParaRPr>
           </a:p>
         </p:txBody>
       </p:sp>
@@ -9757,18 +10167,13 @@
           <a:p>
             <a:pPr algn="ctr"/>
             <a:r>
-              <a:rPr lang="en-US" sz="1600" dirty="0" smtClean="0">
+              <a:rPr lang="en-US" sz="1600" dirty="0">
                 <a:solidFill>
                   <a:schemeClr val="tx1"/>
                 </a:solidFill>
               </a:rPr>
               <a:t>IP</a:t>
             </a:r>
-            <a:endParaRPr lang="en-US" sz="1600" dirty="0">
-              <a:solidFill>
-                <a:schemeClr val="tx1"/>
-              </a:solidFill>
-            </a:endParaRPr>
           </a:p>
         </p:txBody>
       </p:sp>
@@ -9841,18 +10246,13 @@
           <a:p>
             <a:pPr algn="ctr"/>
             <a:r>
-              <a:rPr lang="en-US" sz="1400" dirty="0" smtClean="0">
+              <a:rPr lang="en-US" sz="1400" dirty="0">
                 <a:solidFill>
                   <a:schemeClr val="tx1"/>
                 </a:solidFill>
               </a:rPr>
               <a:t>IP</a:t>
             </a:r>
-            <a:endParaRPr lang="en-US" sz="1400" dirty="0">
-              <a:solidFill>
-                <a:schemeClr val="tx1"/>
-              </a:solidFill>
-            </a:endParaRPr>
           </a:p>
         </p:txBody>
       </p:sp>
@@ -9925,18 +10325,13 @@
           <a:p>
             <a:pPr algn="ctr"/>
             <a:r>
-              <a:rPr lang="en-US" sz="1600" dirty="0" smtClean="0">
+              <a:rPr lang="en-US" sz="1600" dirty="0">
                 <a:solidFill>
                   <a:schemeClr val="tx1"/>
                 </a:solidFill>
               </a:rPr>
               <a:t>IP</a:t>
             </a:r>
-            <a:endParaRPr lang="en-US" sz="1600" dirty="0">
-              <a:solidFill>
-                <a:schemeClr val="tx1"/>
-              </a:solidFill>
-            </a:endParaRPr>
           </a:p>
         </p:txBody>
       </p:sp>
@@ -10081,18 +10476,13 @@
           <a:p>
             <a:pPr algn="ctr"/>
             <a:r>
-              <a:rPr lang="en-US" sz="1600" dirty="0" smtClean="0">
+              <a:rPr lang="en-US" sz="1600" dirty="0">
                 <a:solidFill>
                   <a:schemeClr val="tx1"/>
                 </a:solidFill>
               </a:rPr>
               <a:t>C</a:t>
             </a:r>
-            <a:endParaRPr lang="en-US" sz="1600" dirty="0">
-              <a:solidFill>
-                <a:schemeClr val="tx1"/>
-              </a:solidFill>
-            </a:endParaRPr>
           </a:p>
         </p:txBody>
       </p:sp>
@@ -10141,18 +10531,13 @@
           <a:p>
             <a:pPr algn="ctr"/>
             <a:r>
-              <a:rPr lang="en-US" sz="1600" dirty="0" smtClean="0">
+              <a:rPr lang="en-US" sz="1600" dirty="0">
                 <a:solidFill>
                   <a:schemeClr val="tx1"/>
                 </a:solidFill>
               </a:rPr>
               <a:t>C</a:t>
             </a:r>
-            <a:endParaRPr lang="en-US" sz="1600" dirty="0">
-              <a:solidFill>
-                <a:schemeClr val="tx1"/>
-              </a:solidFill>
-            </a:endParaRPr>
           </a:p>
         </p:txBody>
       </p:sp>
@@ -10201,18 +10586,13 @@
           <a:p>
             <a:pPr algn="ctr"/>
             <a:r>
-              <a:rPr lang="en-US" sz="1600" dirty="0" smtClean="0">
+              <a:rPr lang="en-US" sz="1600" dirty="0">
                 <a:solidFill>
                   <a:schemeClr val="tx1"/>
                 </a:solidFill>
               </a:rPr>
               <a:t>C</a:t>
             </a:r>
-            <a:endParaRPr lang="en-US" sz="1600" dirty="0">
-              <a:solidFill>
-                <a:schemeClr val="tx1"/>
-              </a:solidFill>
-            </a:endParaRPr>
           </a:p>
         </p:txBody>
       </p:sp>
@@ -10261,18 +10641,13 @@
           <a:p>
             <a:pPr algn="ctr"/>
             <a:r>
-              <a:rPr lang="en-US" sz="1600" dirty="0" smtClean="0">
+              <a:rPr lang="en-US" sz="1600" dirty="0">
                 <a:solidFill>
                   <a:schemeClr val="tx1"/>
                 </a:solidFill>
               </a:rPr>
               <a:t>F</a:t>
             </a:r>
-            <a:endParaRPr lang="en-US" sz="1600" dirty="0">
-              <a:solidFill>
-                <a:schemeClr val="tx1"/>
-              </a:solidFill>
-            </a:endParaRPr>
           </a:p>
         </p:txBody>
       </p:sp>
@@ -10469,10 +10844,9 @@
           <a:lstStyle/>
           <a:p>
             <a:r>
-              <a:rPr lang="en-US" sz="2400" dirty="0" smtClean="0"/>
+              <a:rPr lang="en-US" sz="2400" dirty="0"/>
               <a:t>We request all states at the same “time”</a:t>
             </a:r>
-            <a:endParaRPr lang="en-US" sz="2400" dirty="0"/>
           </a:p>
         </p:txBody>
       </p:sp>
@@ -10932,15 +11306,7 @@
           <a:p>
             <a:r>
               <a:rPr lang="en-US" dirty="0"/>
-              <a:t>Aggregated </a:t>
-            </a:r>
-            <a:r>
-              <a:rPr lang="en-US" dirty="0" smtClean="0"/>
-              <a:t>State </a:t>
-            </a:r>
-            <a:r>
-              <a:rPr lang="en-US" dirty="0"/>
-              <a:t>– Solution 1</a:t>
+              <a:t>Aggregated State – Solution 1</a:t>
             </a:r>
           </a:p>
         </p:txBody>
@@ -11081,18 +11447,13 @@
           <a:p>
             <a:pPr algn="ctr"/>
             <a:r>
-              <a:rPr lang="en-US" dirty="0" smtClean="0">
+              <a:rPr lang="en-US" dirty="0">
                 <a:solidFill>
                   <a:schemeClr val="tx1"/>
                 </a:solidFill>
               </a:rPr>
               <a:t>F</a:t>
             </a:r>
-            <a:endParaRPr lang="en-US" dirty="0">
-              <a:solidFill>
-                <a:schemeClr val="tx1"/>
-              </a:solidFill>
-            </a:endParaRPr>
           </a:p>
         </p:txBody>
       </p:sp>
@@ -11141,18 +11502,13 @@
           <a:p>
             <a:pPr algn="ctr"/>
             <a:r>
-              <a:rPr lang="en-US" sz="1600" dirty="0" smtClean="0">
+              <a:rPr lang="en-US" sz="1600" dirty="0">
                 <a:solidFill>
                   <a:schemeClr val="tx1"/>
                 </a:solidFill>
               </a:rPr>
               <a:t>IP</a:t>
             </a:r>
-            <a:endParaRPr lang="en-US" sz="1600" dirty="0">
-              <a:solidFill>
-                <a:schemeClr val="tx1"/>
-              </a:solidFill>
-            </a:endParaRPr>
           </a:p>
         </p:txBody>
       </p:sp>
@@ -11201,18 +11557,13 @@
           <a:p>
             <a:pPr algn="ctr"/>
             <a:r>
-              <a:rPr lang="en-US" sz="1600" dirty="0" smtClean="0">
+              <a:rPr lang="en-US" sz="1600" dirty="0">
                 <a:solidFill>
                   <a:schemeClr val="tx1"/>
                 </a:solidFill>
               </a:rPr>
               <a:t>IP</a:t>
             </a:r>
-            <a:endParaRPr lang="en-US" sz="1600" dirty="0">
-              <a:solidFill>
-                <a:schemeClr val="tx1"/>
-              </a:solidFill>
-            </a:endParaRPr>
           </a:p>
         </p:txBody>
       </p:sp>
@@ -11285,18 +11636,13 @@
           <a:p>
             <a:pPr algn="ctr"/>
             <a:r>
-              <a:rPr lang="en-US" sz="1400" dirty="0" smtClean="0">
+              <a:rPr lang="en-US" sz="1400" dirty="0">
                 <a:solidFill>
                   <a:schemeClr val="tx1"/>
                 </a:solidFill>
               </a:rPr>
               <a:t>IP</a:t>
             </a:r>
-            <a:endParaRPr lang="en-US" sz="1400" dirty="0">
-              <a:solidFill>
-                <a:schemeClr val="tx1"/>
-              </a:solidFill>
-            </a:endParaRPr>
           </a:p>
         </p:txBody>
       </p:sp>
@@ -11369,18 +11715,13 @@
           <a:p>
             <a:pPr algn="ctr"/>
             <a:r>
-              <a:rPr lang="en-US" sz="1600" dirty="0" smtClean="0">
+              <a:rPr lang="en-US" sz="1600" dirty="0">
                 <a:solidFill>
                   <a:schemeClr val="tx1"/>
                 </a:solidFill>
               </a:rPr>
               <a:t>IP</a:t>
             </a:r>
-            <a:endParaRPr lang="en-US" sz="1600" dirty="0">
-              <a:solidFill>
-                <a:schemeClr val="tx1"/>
-              </a:solidFill>
-            </a:endParaRPr>
           </a:p>
         </p:txBody>
       </p:sp>
@@ -11525,18 +11866,13 @@
           <a:p>
             <a:pPr algn="ctr"/>
             <a:r>
-              <a:rPr lang="en-US" sz="1600" dirty="0" smtClean="0">
+              <a:rPr lang="en-US" sz="1600" dirty="0">
                 <a:solidFill>
                   <a:schemeClr val="tx1"/>
                 </a:solidFill>
               </a:rPr>
               <a:t>C</a:t>
             </a:r>
-            <a:endParaRPr lang="en-US" sz="1600" dirty="0">
-              <a:solidFill>
-                <a:schemeClr val="tx1"/>
-              </a:solidFill>
-            </a:endParaRPr>
           </a:p>
         </p:txBody>
       </p:sp>
@@ -11585,18 +11921,13 @@
           <a:p>
             <a:pPr algn="ctr"/>
             <a:r>
-              <a:rPr lang="en-US" sz="1600" dirty="0" smtClean="0">
+              <a:rPr lang="en-US" sz="1600" dirty="0">
                 <a:solidFill>
                   <a:schemeClr val="tx1"/>
                 </a:solidFill>
               </a:rPr>
               <a:t>C</a:t>
             </a:r>
-            <a:endParaRPr lang="en-US" sz="1600" dirty="0">
-              <a:solidFill>
-                <a:schemeClr val="tx1"/>
-              </a:solidFill>
-            </a:endParaRPr>
           </a:p>
         </p:txBody>
       </p:sp>
@@ -11645,18 +11976,13 @@
           <a:p>
             <a:pPr algn="ctr"/>
             <a:r>
-              <a:rPr lang="en-US" sz="1600" dirty="0" smtClean="0">
+              <a:rPr lang="en-US" sz="1600" dirty="0">
                 <a:solidFill>
                   <a:schemeClr val="tx1"/>
                 </a:solidFill>
               </a:rPr>
               <a:t>C</a:t>
             </a:r>
-            <a:endParaRPr lang="en-US" sz="1600" dirty="0">
-              <a:solidFill>
-                <a:schemeClr val="tx1"/>
-              </a:solidFill>
-            </a:endParaRPr>
           </a:p>
         </p:txBody>
       </p:sp>
@@ -11705,18 +12031,13 @@
           <a:p>
             <a:pPr algn="ctr"/>
             <a:r>
-              <a:rPr lang="en-US" sz="1600" dirty="0" smtClean="0">
+              <a:rPr lang="en-US" sz="1600" dirty="0">
                 <a:solidFill>
                   <a:schemeClr val="tx1"/>
                 </a:solidFill>
               </a:rPr>
               <a:t>F</a:t>
             </a:r>
-            <a:endParaRPr lang="en-US" sz="1600" dirty="0">
-              <a:solidFill>
-                <a:schemeClr val="tx1"/>
-              </a:solidFill>
-            </a:endParaRPr>
           </a:p>
         </p:txBody>
       </p:sp>
@@ -11883,10 +12204,9 @@
           <a:lstStyle/>
           <a:p>
             <a:r>
-              <a:rPr lang="en-US" sz="2400" dirty="0" smtClean="0"/>
+              <a:rPr lang="en-US" sz="2400" dirty="0"/>
               <a:t>We request from salves and only then from master</a:t>
             </a:r>
-            <a:endParaRPr lang="en-US" sz="2400" dirty="0"/>
           </a:p>
         </p:txBody>
       </p:sp>
@@ -12319,15 +12639,7 @@
           <a:p>
             <a:r>
               <a:rPr lang="en-US" dirty="0"/>
-              <a:t>Aggregated </a:t>
-            </a:r>
-            <a:r>
-              <a:rPr lang="en-US" dirty="0" smtClean="0"/>
-              <a:t>State </a:t>
-            </a:r>
-            <a:r>
-              <a:rPr lang="en-US" dirty="0"/>
-              <a:t>– Solution 1</a:t>
+              <a:t>Aggregated State – Solution 1</a:t>
             </a:r>
           </a:p>
         </p:txBody>
@@ -12468,18 +12780,13 @@
           <a:p>
             <a:pPr algn="ctr"/>
             <a:r>
-              <a:rPr lang="en-US" dirty="0" smtClean="0">
+              <a:rPr lang="en-US" dirty="0">
                 <a:solidFill>
                   <a:schemeClr val="tx1"/>
                 </a:solidFill>
               </a:rPr>
               <a:t>F</a:t>
             </a:r>
-            <a:endParaRPr lang="en-US" dirty="0">
-              <a:solidFill>
-                <a:schemeClr val="tx1"/>
-              </a:solidFill>
-            </a:endParaRPr>
           </a:p>
         </p:txBody>
       </p:sp>
@@ -12528,18 +12835,13 @@
           <a:p>
             <a:pPr algn="ctr"/>
             <a:r>
-              <a:rPr lang="en-US" sz="1600" dirty="0" smtClean="0">
+              <a:rPr lang="en-US" sz="1600" dirty="0">
                 <a:solidFill>
                   <a:schemeClr val="tx1"/>
                 </a:solidFill>
               </a:rPr>
               <a:t>IP</a:t>
             </a:r>
-            <a:endParaRPr lang="en-US" sz="1600" dirty="0">
-              <a:solidFill>
-                <a:schemeClr val="tx1"/>
-              </a:solidFill>
-            </a:endParaRPr>
           </a:p>
         </p:txBody>
       </p:sp>
@@ -12588,18 +12890,13 @@
           <a:p>
             <a:pPr algn="ctr"/>
             <a:r>
-              <a:rPr lang="en-US" sz="1600" dirty="0" smtClean="0">
+              <a:rPr lang="en-US" sz="1600" dirty="0">
                 <a:solidFill>
                   <a:schemeClr val="tx1"/>
                 </a:solidFill>
               </a:rPr>
               <a:t>IP</a:t>
             </a:r>
-            <a:endParaRPr lang="en-US" sz="1600" dirty="0">
-              <a:solidFill>
-                <a:schemeClr val="tx1"/>
-              </a:solidFill>
-            </a:endParaRPr>
           </a:p>
         </p:txBody>
       </p:sp>
@@ -12672,18 +12969,13 @@
           <a:p>
             <a:pPr algn="ctr"/>
             <a:r>
-              <a:rPr lang="en-US" sz="1400" dirty="0" smtClean="0">
+              <a:rPr lang="en-US" sz="1400" dirty="0">
                 <a:solidFill>
                   <a:schemeClr val="tx1"/>
                 </a:solidFill>
               </a:rPr>
               <a:t>IP</a:t>
             </a:r>
-            <a:endParaRPr lang="en-US" sz="1400" dirty="0">
-              <a:solidFill>
-                <a:schemeClr val="tx1"/>
-              </a:solidFill>
-            </a:endParaRPr>
           </a:p>
         </p:txBody>
       </p:sp>
@@ -12756,18 +13048,13 @@
           <a:p>
             <a:pPr algn="ctr"/>
             <a:r>
-              <a:rPr lang="en-US" sz="1600" dirty="0" smtClean="0">
+              <a:rPr lang="en-US" sz="1600" dirty="0">
                 <a:solidFill>
                   <a:schemeClr val="tx1"/>
                 </a:solidFill>
               </a:rPr>
               <a:t>IP</a:t>
             </a:r>
-            <a:endParaRPr lang="en-US" sz="1600" dirty="0">
-              <a:solidFill>
-                <a:schemeClr val="tx1"/>
-              </a:solidFill>
-            </a:endParaRPr>
           </a:p>
         </p:txBody>
       </p:sp>
@@ -12912,18 +13199,13 @@
           <a:p>
             <a:pPr algn="ctr"/>
             <a:r>
-              <a:rPr lang="en-US" sz="1600" dirty="0" smtClean="0">
+              <a:rPr lang="en-US" sz="1600" dirty="0">
                 <a:solidFill>
                   <a:schemeClr val="tx1"/>
                 </a:solidFill>
               </a:rPr>
               <a:t>F</a:t>
             </a:r>
-            <a:endParaRPr lang="en-US" sz="1600" dirty="0">
-              <a:solidFill>
-                <a:schemeClr val="tx1"/>
-              </a:solidFill>
-            </a:endParaRPr>
           </a:p>
         </p:txBody>
       </p:sp>
@@ -12972,18 +13254,13 @@
           <a:p>
             <a:pPr algn="ctr"/>
             <a:r>
-              <a:rPr lang="en-US" sz="1600" dirty="0" smtClean="0">
+              <a:rPr lang="en-US" sz="1600" dirty="0">
                 <a:solidFill>
                   <a:schemeClr val="tx1"/>
                 </a:solidFill>
               </a:rPr>
               <a:t>F</a:t>
             </a:r>
-            <a:endParaRPr lang="en-US" sz="1600" dirty="0">
-              <a:solidFill>
-                <a:schemeClr val="tx1"/>
-              </a:solidFill>
-            </a:endParaRPr>
           </a:p>
         </p:txBody>
       </p:sp>
@@ -13032,18 +13309,13 @@
           <a:p>
             <a:pPr algn="ctr"/>
             <a:r>
-              <a:rPr lang="en-US" sz="1600" dirty="0" smtClean="0">
+              <a:rPr lang="en-US" sz="1600" dirty="0">
                 <a:solidFill>
                   <a:schemeClr val="tx1"/>
                 </a:solidFill>
               </a:rPr>
               <a:t>F</a:t>
             </a:r>
-            <a:endParaRPr lang="en-US" sz="1600" dirty="0">
-              <a:solidFill>
-                <a:schemeClr val="tx1"/>
-              </a:solidFill>
-            </a:endParaRPr>
           </a:p>
         </p:txBody>
       </p:sp>
@@ -13092,18 +13364,13 @@
           <a:p>
             <a:pPr algn="ctr"/>
             <a:r>
-              <a:rPr lang="en-US" sz="1600" dirty="0" smtClean="0">
+              <a:rPr lang="en-US" sz="1600" dirty="0">
                 <a:solidFill>
                   <a:schemeClr val="tx1"/>
                 </a:solidFill>
               </a:rPr>
               <a:t>F</a:t>
             </a:r>
-            <a:endParaRPr lang="en-US" sz="1600" dirty="0">
-              <a:solidFill>
-                <a:schemeClr val="tx1"/>
-              </a:solidFill>
-            </a:endParaRPr>
           </a:p>
         </p:txBody>
       </p:sp>
@@ -13270,10 +13537,9 @@
           <a:lstStyle/>
           <a:p>
             <a:r>
-              <a:rPr lang="en-US" sz="2400" dirty="0" smtClean="0"/>
+              <a:rPr lang="en-US" sz="2400" dirty="0"/>
               <a:t>We request from master and only then from slaves</a:t>
             </a:r>
-            <a:endParaRPr lang="en-US" sz="2400" dirty="0"/>
           </a:p>
         </p:txBody>
       </p:sp>
@@ -13706,21 +13972,8 @@
           <a:p>
             <a:r>
               <a:rPr lang="en-US" dirty="0"/>
-              <a:t>Aggregated </a:t>
-            </a:r>
-            <a:r>
-              <a:rPr lang="en-US" dirty="0" smtClean="0"/>
-              <a:t>State </a:t>
-            </a:r>
-            <a:r>
-              <a:rPr lang="en-US" dirty="0"/>
-              <a:t>– Solution </a:t>
-            </a:r>
-            <a:r>
-              <a:rPr lang="en-US" dirty="0" smtClean="0"/>
-              <a:t>2</a:t>
-            </a:r>
-            <a:endParaRPr lang="en-US" dirty="0"/>
+              <a:t>Aggregated State – Solution 2</a:t>
+            </a:r>
           </a:p>
         </p:txBody>
       </p:sp>
@@ -13790,10 +14043,9 @@
           <a:lstStyle/>
           <a:p>
             <a:r>
-              <a:rPr lang="en-US" sz="2400" dirty="0" smtClean="0"/>
+              <a:rPr lang="en-US" sz="2400" dirty="0"/>
               <a:t>Distributed Realtime Solution tuning algorithm vector </a:t>
             </a:r>
-            <a:endParaRPr lang="en-US" sz="2400" dirty="0"/>
           </a:p>
         </p:txBody>
       </p:sp>
@@ -13842,10 +14094,9 @@
           </a:lstStyle>
           <a:p>
             <a:r>
-              <a:rPr lang="en-US" dirty="0" smtClean="0"/>
+              <a:rPr lang="en-US" dirty="0"/>
               <a:t>I’m still creating this algorithm so it won’t be presented today…</a:t>
             </a:r>
-            <a:endParaRPr lang="en-US" dirty="0"/>
           </a:p>
         </p:txBody>
       </p:sp>
@@ -13891,10 +14142,9 @@
           </a:lstStyle>
           <a:p>
             <a:r>
-              <a:rPr lang="en-US" dirty="0" smtClean="0"/>
+              <a:rPr lang="en-US" dirty="0"/>
               <a:t>(D.r. S.t.a.v)</a:t>
             </a:r>
-            <a:endParaRPr lang="en-US" dirty="0"/>
           </a:p>
         </p:txBody>
       </p:sp>
@@ -14069,21 +14319,8 @@
           <a:p>
             <a:r>
               <a:rPr lang="en-US" dirty="0"/>
-              <a:t>Aggregated </a:t>
-            </a:r>
-            <a:r>
-              <a:rPr lang="en-US" dirty="0" smtClean="0"/>
-              <a:t>State </a:t>
-            </a:r>
-            <a:r>
-              <a:rPr lang="en-US" dirty="0"/>
-              <a:t>– Solution </a:t>
-            </a:r>
-            <a:r>
-              <a:rPr lang="en-US" dirty="0" smtClean="0"/>
-              <a:t>3 - Redux</a:t>
-            </a:r>
-            <a:endParaRPr lang="en-US" dirty="0"/>
+              <a:t>Aggregated State – Solution 3 - Redux</a:t>
+            </a:r>
           </a:p>
         </p:txBody>
       </p:sp>
@@ -14140,13 +14377,6 @@
   <p:clrMapOvr>
     <a:masterClrMapping/>
   </p:clrMapOvr>
-  <p:timing>
-    <p:tnLst>
-      <p:par>
-        <p:cTn id="1" dur="indefinite" restart="never" nodeType="tmRoot"/>
-      </p:par>
-    </p:tnLst>
-  </p:timing>
 </p:sld>
 </file>
 
@@ -14189,21 +14419,8 @@
           <a:p>
             <a:r>
               <a:rPr lang="en-US" dirty="0"/>
-              <a:t>Aggregated </a:t>
-            </a:r>
-            <a:r>
-              <a:rPr lang="en-US" dirty="0" smtClean="0"/>
-              <a:t>State </a:t>
-            </a:r>
-            <a:r>
-              <a:rPr lang="en-US" dirty="0"/>
-              <a:t>– Solution </a:t>
-            </a:r>
-            <a:r>
-              <a:rPr lang="en-US" dirty="0" smtClean="0"/>
-              <a:t>3 - Redux</a:t>
-            </a:r>
-            <a:endParaRPr lang="en-US" dirty="0"/>
+              <a:t>Aggregated State – Solution 3 - Redux</a:t>
+            </a:r>
           </a:p>
         </p:txBody>
       </p:sp>
@@ -14297,10 +14514,9 @@
           <a:lstStyle/>
           <a:p>
             <a:r>
-              <a:rPr lang="en-US" sz="2400" dirty="0" smtClean="0"/>
+              <a:rPr lang="en-US" sz="2400" dirty="0"/>
               <a:t>How redux works</a:t>
             </a:r>
-            <a:endParaRPr lang="en-US" sz="2400" dirty="0"/>
           </a:p>
         </p:txBody>
       </p:sp>
@@ -14314,13 +14530,6 @@
   <p:clrMapOvr>
     <a:masterClrMapping/>
   </p:clrMapOvr>
-  <p:timing>
-    <p:tnLst>
-      <p:par>
-        <p:cTn id="1" dur="indefinite" restart="never" nodeType="tmRoot"/>
-      </p:par>
-    </p:tnLst>
-  </p:timing>
 </p:sld>
 </file>
 
@@ -14357,10 +14566,9 @@
           <a:lstStyle/>
           <a:p>
             <a:r>
-              <a:rPr lang="en-US" dirty="0" smtClean="0"/>
+              <a:rPr lang="en-US" dirty="0"/>
               <a:t>Aggregated State – Solution 3 - Redux</a:t>
             </a:r>
-            <a:endParaRPr lang="en-US" dirty="0"/>
           </a:p>
         </p:txBody>
       </p:sp>
@@ -14407,9 +14615,170 @@
           </a:extLst>
         </p:spPr>
       </p:pic>
+      <p:sp>
+        <p:nvSpPr>
+          <p:cNvPr id="8" name="Striped Right Arrow 7"/>
+          <p:cNvSpPr/>
+          <p:nvPr/>
+        </p:nvSpPr>
+        <p:spPr>
+          <a:xfrm>
+            <a:off x="5235912" y="3727073"/>
+            <a:ext cx="1148883" cy="461684"/>
+          </a:xfrm>
+          <a:prstGeom prst="stripedRightArrow">
+            <a:avLst/>
+          </a:prstGeom>
+        </p:spPr>
+        <p:style>
+          <a:lnRef idx="2">
+            <a:schemeClr val="accent1">
+              <a:shade val="50000"/>
+            </a:schemeClr>
+          </a:lnRef>
+          <a:fillRef idx="1">
+            <a:schemeClr val="accent1"/>
+          </a:fillRef>
+          <a:effectRef idx="0">
+            <a:schemeClr val="accent1"/>
+          </a:effectRef>
+          <a:fontRef idx="minor">
+            <a:schemeClr val="lt1"/>
+          </a:fontRef>
+        </p:style>
+        <p:txBody>
+          <a:bodyPr rtlCol="0" anchor="ctr"/>
+          <a:lstStyle/>
+          <a:p>
+            <a:pPr algn="ctr"/>
+            <a:endParaRPr lang="en-US"/>
+          </a:p>
+        </p:txBody>
+      </p:sp>
+      <p:sp>
+        <p:nvSpPr>
+          <p:cNvPr id="9" name="Rectangle 8"/>
+          <p:cNvSpPr/>
+          <p:nvPr/>
+        </p:nvSpPr>
+        <p:spPr>
+          <a:xfrm>
+            <a:off x="89119" y="3112655"/>
+            <a:ext cx="5010116" cy="1616973"/>
+          </a:xfrm>
+          <a:prstGeom prst="rect">
+            <a:avLst/>
+          </a:prstGeom>
+          <a:noFill/>
+          <a:ln>
+            <a:solidFill>
+              <a:schemeClr val="tx1"/>
+            </a:solidFill>
+          </a:ln>
+        </p:spPr>
+        <p:style>
+          <a:lnRef idx="2">
+            <a:schemeClr val="accent1">
+              <a:shade val="50000"/>
+            </a:schemeClr>
+          </a:lnRef>
+          <a:fillRef idx="1">
+            <a:schemeClr val="accent1"/>
+          </a:fillRef>
+          <a:effectRef idx="0">
+            <a:schemeClr val="accent1"/>
+          </a:effectRef>
+          <a:fontRef idx="minor">
+            <a:schemeClr val="lt1"/>
+          </a:fontRef>
+        </p:style>
+        <p:txBody>
+          <a:bodyPr rtlCol="0" anchor="ctr"/>
+          <a:lstStyle/>
+          <a:p>
+            <a:pPr algn="ctr"/>
+            <a:endParaRPr lang="en-US"/>
+          </a:p>
+        </p:txBody>
+      </p:sp>
+      <p:sp>
+        <p:nvSpPr>
+          <p:cNvPr id="11" name="Rectangle 10"/>
+          <p:cNvSpPr/>
+          <p:nvPr/>
+        </p:nvSpPr>
+        <p:spPr>
+          <a:xfrm>
+            <a:off x="6535794" y="2946400"/>
+            <a:ext cx="4818006" cy="2116415"/>
+          </a:xfrm>
+          <a:prstGeom prst="rect">
+            <a:avLst/>
+          </a:prstGeom>
+          <a:noFill/>
+          <a:ln>
+            <a:solidFill>
+              <a:schemeClr val="tx1"/>
+            </a:solidFill>
+          </a:ln>
+        </p:spPr>
+        <p:style>
+          <a:lnRef idx="2">
+            <a:schemeClr val="accent1">
+              <a:shade val="50000"/>
+            </a:schemeClr>
+          </a:lnRef>
+          <a:fillRef idx="1">
+            <a:schemeClr val="accent1"/>
+          </a:fillRef>
+          <a:effectRef idx="0">
+            <a:schemeClr val="accent1"/>
+          </a:effectRef>
+          <a:fontRef idx="minor">
+            <a:schemeClr val="lt1"/>
+          </a:fontRef>
+        </p:style>
+        <p:txBody>
+          <a:bodyPr rtlCol="0" anchor="ctr"/>
+          <a:lstStyle/>
+          <a:p>
+            <a:pPr algn="ctr"/>
+            <a:endParaRPr lang="en-US"/>
+          </a:p>
+        </p:txBody>
+      </p:sp>
+      <p:sp>
+        <p:nvSpPr>
+          <p:cNvPr id="12" name="TextBox 11"/>
+          <p:cNvSpPr txBox="1"/>
+          <p:nvPr/>
+        </p:nvSpPr>
+        <p:spPr>
+          <a:xfrm>
+            <a:off x="838200" y="1436899"/>
+            <a:ext cx="3807774" cy="461665"/>
+          </a:xfrm>
+          <a:prstGeom prst="rect">
+            <a:avLst/>
+          </a:prstGeom>
+          <a:noFill/>
+        </p:spPr>
+        <p:txBody>
+          <a:bodyPr wrap="none" rtlCol="0">
+            <a:spAutoFit/>
+          </a:bodyPr>
+          <a:lstStyle/>
+          <a:p>
+            <a:r>
+              <a:rPr lang="en-US" sz="2400" dirty="0"/>
+              <a:t>Multiple objects to state tree</a:t>
+            </a:r>
+          </a:p>
+        </p:txBody>
+      </p:sp>
       <p:pic>
         <p:nvPicPr>
-          <p:cNvPr id="6" name="Picture 5"/>
+          <p:cNvPr id="5" name="Picture 4"/>
           <p:cNvPicPr>
             <a:picLocks noChangeAspect="1"/>
           </p:cNvPicPr>
@@ -14423,8 +14792,8 @@
         </p:blipFill>
         <p:spPr>
           <a:xfrm>
-            <a:off x="409855" y="2514879"/>
-            <a:ext cx="4505325" cy="2886075"/>
+            <a:off x="273175" y="3186203"/>
+            <a:ext cx="4778681" cy="1543425"/>
           </a:xfrm>
           <a:prstGeom prst="rect">
             <a:avLst/>
@@ -14433,7 +14802,7 @@
       </p:pic>
       <p:pic>
         <p:nvPicPr>
-          <p:cNvPr id="7" name="Picture 6"/>
+          <p:cNvPr id="10" name="Picture 9"/>
           <p:cNvPicPr>
             <a:picLocks noChangeAspect="1"/>
           </p:cNvPicPr>
@@ -14447,8 +14816,8 @@
         </p:blipFill>
         <p:spPr>
           <a:xfrm>
-            <a:off x="6583176" y="2853016"/>
-            <a:ext cx="4619625" cy="2209800"/>
+            <a:off x="6583175" y="3112656"/>
+            <a:ext cx="4619626" cy="1741354"/>
           </a:xfrm>
           <a:prstGeom prst="rect">
             <a:avLst/>
@@ -14457,18 +14826,26 @@
       </p:pic>
       <p:sp>
         <p:nvSpPr>
-          <p:cNvPr id="8" name="Striped Right Arrow 7"/>
+          <p:cNvPr id="13" name="Rectangle 12"/>
           <p:cNvSpPr/>
           <p:nvPr/>
         </p:nvSpPr>
         <p:spPr>
           <a:xfrm>
-            <a:off x="5099236" y="3727074"/>
-            <a:ext cx="1299883" cy="461684"/>
-          </a:xfrm>
-          <a:prstGeom prst="stripedRightArrow">
-            <a:avLst/>
-          </a:prstGeom>
+            <a:off x="526473" y="3897745"/>
+            <a:ext cx="203200" cy="147782"/>
+          </a:xfrm>
+          <a:prstGeom prst="rect">
+            <a:avLst/>
+          </a:prstGeom>
+          <a:solidFill>
+            <a:schemeClr val="bg1"/>
+          </a:solidFill>
+          <a:ln>
+            <a:solidFill>
+              <a:schemeClr val="bg1"/>
+            </a:solidFill>
+          </a:ln>
         </p:spPr>
         <p:style>
           <a:lnRef idx="2">
@@ -14487,133 +14864,11 @@
           </a:fontRef>
         </p:style>
         <p:txBody>
-          <a:bodyPr rtlCol="0" anchor="ctr"/>
+          <a:bodyPr rtlCol="1" anchor="ctr"/>
           <a:lstStyle/>
           <a:p>
             <a:pPr algn="ctr"/>
-            <a:endParaRPr lang="en-US"/>
-          </a:p>
-        </p:txBody>
-      </p:sp>
-      <p:sp>
-        <p:nvSpPr>
-          <p:cNvPr id="9" name="Rectangle 8"/>
-          <p:cNvSpPr/>
-          <p:nvPr/>
-        </p:nvSpPr>
-        <p:spPr>
-          <a:xfrm>
-            <a:off x="409855" y="2514879"/>
-            <a:ext cx="4505325" cy="2886075"/>
-          </a:xfrm>
-          <a:prstGeom prst="rect">
-            <a:avLst/>
-          </a:prstGeom>
-          <a:noFill/>
-          <a:ln>
-            <a:solidFill>
-              <a:schemeClr val="tx1"/>
-            </a:solidFill>
-          </a:ln>
-        </p:spPr>
-        <p:style>
-          <a:lnRef idx="2">
-            <a:schemeClr val="accent1">
-              <a:shade val="50000"/>
-            </a:schemeClr>
-          </a:lnRef>
-          <a:fillRef idx="1">
-            <a:schemeClr val="accent1"/>
-          </a:fillRef>
-          <a:effectRef idx="0">
-            <a:schemeClr val="accent1"/>
-          </a:effectRef>
-          <a:fontRef idx="minor">
-            <a:schemeClr val="lt1"/>
-          </a:fontRef>
-        </p:style>
-        <p:txBody>
-          <a:bodyPr rtlCol="0" anchor="ctr"/>
-          <a:lstStyle/>
-          <a:p>
-            <a:pPr algn="ctr"/>
-            <a:endParaRPr lang="en-US"/>
-          </a:p>
-        </p:txBody>
-      </p:sp>
-      <p:sp>
-        <p:nvSpPr>
-          <p:cNvPr id="11" name="Rectangle 10"/>
-          <p:cNvSpPr/>
-          <p:nvPr/>
-        </p:nvSpPr>
-        <p:spPr>
-          <a:xfrm>
-            <a:off x="6583175" y="2853016"/>
-            <a:ext cx="4619626" cy="2209800"/>
-          </a:xfrm>
-          <a:prstGeom prst="rect">
-            <a:avLst/>
-          </a:prstGeom>
-          <a:noFill/>
-          <a:ln>
-            <a:solidFill>
-              <a:schemeClr val="tx1"/>
-            </a:solidFill>
-          </a:ln>
-        </p:spPr>
-        <p:style>
-          <a:lnRef idx="2">
-            <a:schemeClr val="accent1">
-              <a:shade val="50000"/>
-            </a:schemeClr>
-          </a:lnRef>
-          <a:fillRef idx="1">
-            <a:schemeClr val="accent1"/>
-          </a:fillRef>
-          <a:effectRef idx="0">
-            <a:schemeClr val="accent1"/>
-          </a:effectRef>
-          <a:fontRef idx="minor">
-            <a:schemeClr val="lt1"/>
-          </a:fontRef>
-        </p:style>
-        <p:txBody>
-          <a:bodyPr rtlCol="0" anchor="ctr"/>
-          <a:lstStyle/>
-          <a:p>
-            <a:pPr algn="ctr"/>
-            <a:endParaRPr lang="en-US"/>
-          </a:p>
-        </p:txBody>
-      </p:sp>
-      <p:sp>
-        <p:nvSpPr>
-          <p:cNvPr id="12" name="TextBox 11"/>
-          <p:cNvSpPr txBox="1"/>
-          <p:nvPr/>
-        </p:nvSpPr>
-        <p:spPr>
-          <a:xfrm>
-            <a:off x="838200" y="1436899"/>
-            <a:ext cx="3807774" cy="461665"/>
-          </a:xfrm>
-          <a:prstGeom prst="rect">
-            <a:avLst/>
-          </a:prstGeom>
-          <a:noFill/>
-        </p:spPr>
-        <p:txBody>
-          <a:bodyPr wrap="none" rtlCol="0">
-            <a:spAutoFit/>
-          </a:bodyPr>
-          <a:lstStyle/>
-          <a:p>
-            <a:r>
-              <a:rPr lang="en-US" sz="2400" dirty="0" smtClean="0"/>
-              <a:t>Multiple objects to state tree</a:t>
-            </a:r>
-            <a:endParaRPr lang="en-US" sz="2400" dirty="0"/>
+            <a:endParaRPr lang="he-IL"/>
           </a:p>
         </p:txBody>
       </p:sp>
@@ -14627,13 +14882,6 @@
   <p:clrMapOvr>
     <a:masterClrMapping/>
   </p:clrMapOvr>
-  <p:timing>
-    <p:tnLst>
-      <p:par>
-        <p:cTn id="1" dur="indefinite" restart="never" nodeType="tmRoot"/>
-      </p:par>
-    </p:tnLst>
-  </p:timing>
 </p:sld>
 </file>
 
@@ -14670,10 +14918,9 @@
           <a:lstStyle/>
           <a:p>
             <a:r>
-              <a:rPr lang="en-US" dirty="0" smtClean="0"/>
+              <a:rPr lang="en-US" dirty="0"/>
               <a:t>Pre Requirements</a:t>
             </a:r>
-            <a:endParaRPr lang="en-US" dirty="0"/>
           </a:p>
         </p:txBody>
       </p:sp>
@@ -14696,7 +14943,6 @@
               <a:rPr lang="en-US" dirty="0"/>
               <a:t>Functional Programming in Java 8 - Part 1 - Basic Concepts &amp; Lambdas</a:t>
             </a:r>
-            <a:endParaRPr lang="en-US" dirty="0" smtClean="0"/>
           </a:p>
         </p:txBody>
       </p:sp>
@@ -14710,13 +14956,6 @@
   <p:clrMapOvr>
     <a:masterClrMapping/>
   </p:clrMapOvr>
-  <p:timing>
-    <p:tnLst>
-      <p:par>
-        <p:cTn id="1" dur="indefinite" restart="never" nodeType="tmRoot"/>
-      </p:par>
-    </p:tnLst>
-  </p:timing>
 </p:sld>
 </file>
 
@@ -14753,10 +14992,9 @@
           <a:lstStyle/>
           <a:p>
             <a:r>
-              <a:rPr lang="en-US" dirty="0" smtClean="0"/>
+              <a:rPr lang="en-US" dirty="0"/>
               <a:t>Aggregated State – Solution 3 - Redux</a:t>
             </a:r>
-            <a:endParaRPr lang="en-US" dirty="0"/>
           </a:p>
         </p:txBody>
       </p:sp>
@@ -14850,10 +15088,9 @@
           <a:lstStyle/>
           <a:p>
             <a:r>
-              <a:rPr lang="en-US" sz="2400" dirty="0" smtClean="0"/>
+              <a:rPr lang="en-US" sz="2400" dirty="0"/>
               <a:t>Example for a state tree object</a:t>
             </a:r>
-            <a:endParaRPr lang="en-US" sz="2400" dirty="0"/>
           </a:p>
         </p:txBody>
       </p:sp>
@@ -14867,13 +15104,6 @@
   <p:clrMapOvr>
     <a:masterClrMapping/>
   </p:clrMapOvr>
-  <p:timing>
-    <p:tnLst>
-      <p:par>
-        <p:cTn id="1" dur="indefinite" restart="never" nodeType="tmRoot"/>
-      </p:par>
-    </p:tnLst>
-  </p:timing>
 </p:sld>
 </file>
 
@@ -14910,10 +15140,9 @@
           <a:lstStyle/>
           <a:p>
             <a:r>
-              <a:rPr lang="en-US" dirty="0" smtClean="0"/>
+              <a:rPr lang="en-US" dirty="0"/>
               <a:t>Aggregated State – Solution 3 - Redux</a:t>
             </a:r>
-            <a:endParaRPr lang="en-US" dirty="0"/>
           </a:p>
         </p:txBody>
       </p:sp>
@@ -14981,10 +15210,9 @@
           <a:lstStyle/>
           <a:p>
             <a:r>
-              <a:rPr lang="en-US" sz="2400" dirty="0" smtClean="0"/>
+              <a:rPr lang="en-US" sz="2400" dirty="0"/>
               <a:t>How does the timeline of the store will look like?</a:t>
             </a:r>
-            <a:endParaRPr lang="en-US" sz="2400" dirty="0"/>
           </a:p>
         </p:txBody>
       </p:sp>
@@ -15204,10 +15432,9 @@
           <a:lstStyle/>
           <a:p>
             <a:r>
-              <a:rPr lang="en-US" sz="2800" dirty="0" smtClean="0"/>
+              <a:rPr lang="en-US" sz="2800" dirty="0"/>
               <a:t>Store</a:t>
             </a:r>
-            <a:endParaRPr lang="en-US" sz="2800" dirty="0"/>
           </a:p>
         </p:txBody>
       </p:sp>
@@ -15221,13 +15448,6 @@
   <p:clrMapOvr>
     <a:masterClrMapping/>
   </p:clrMapOvr>
-  <p:timing>
-    <p:tnLst>
-      <p:par>
-        <p:cTn id="1" dur="indefinite" restart="never" nodeType="tmRoot"/>
-      </p:par>
-    </p:tnLst>
-  </p:timing>
 </p:sld>
 </file>
 
@@ -15264,10 +15484,9 @@
           <a:lstStyle/>
           <a:p>
             <a:r>
-              <a:rPr lang="en-US" dirty="0" smtClean="0"/>
+              <a:rPr lang="en-US" dirty="0"/>
               <a:t>Aggregated State – Solution 3 - Redux</a:t>
             </a:r>
-            <a:endParaRPr lang="en-US" dirty="0"/>
           </a:p>
         </p:txBody>
       </p:sp>
@@ -15407,18 +15626,13 @@
           <a:p>
             <a:pPr algn="ctr"/>
             <a:r>
-              <a:rPr lang="en-US" dirty="0" smtClean="0">
+              <a:rPr lang="en-US" dirty="0">
                 <a:solidFill>
                   <a:schemeClr val="tx1"/>
                 </a:solidFill>
               </a:rPr>
               <a:t>F</a:t>
             </a:r>
-            <a:endParaRPr lang="en-US" dirty="0">
-              <a:solidFill>
-                <a:schemeClr val="tx1"/>
-              </a:solidFill>
-            </a:endParaRPr>
           </a:p>
         </p:txBody>
       </p:sp>
@@ -15467,18 +15681,13 @@
           <a:p>
             <a:pPr algn="ctr"/>
             <a:r>
-              <a:rPr lang="en-US" sz="1600" dirty="0" smtClean="0">
+              <a:rPr lang="en-US" sz="1600" dirty="0">
                 <a:solidFill>
                   <a:schemeClr val="tx1"/>
                 </a:solidFill>
               </a:rPr>
               <a:t>IP</a:t>
             </a:r>
-            <a:endParaRPr lang="en-US" sz="1600" dirty="0">
-              <a:solidFill>
-                <a:schemeClr val="tx1"/>
-              </a:solidFill>
-            </a:endParaRPr>
           </a:p>
         </p:txBody>
       </p:sp>
@@ -15527,18 +15736,13 @@
           <a:p>
             <a:pPr algn="ctr"/>
             <a:r>
-              <a:rPr lang="en-US" sz="1600" dirty="0" smtClean="0">
+              <a:rPr lang="en-US" sz="1600" dirty="0">
                 <a:solidFill>
                   <a:schemeClr val="tx1"/>
                 </a:solidFill>
               </a:rPr>
               <a:t>IP</a:t>
             </a:r>
-            <a:endParaRPr lang="en-US" sz="1600" dirty="0">
-              <a:solidFill>
-                <a:schemeClr val="tx1"/>
-              </a:solidFill>
-            </a:endParaRPr>
           </a:p>
         </p:txBody>
       </p:sp>
@@ -15611,18 +15815,13 @@
           <a:p>
             <a:pPr algn="ctr"/>
             <a:r>
-              <a:rPr lang="en-US" sz="1400" dirty="0" smtClean="0">
+              <a:rPr lang="en-US" sz="1400" dirty="0">
                 <a:solidFill>
                   <a:schemeClr val="tx1"/>
                 </a:solidFill>
               </a:rPr>
               <a:t>IP</a:t>
             </a:r>
-            <a:endParaRPr lang="en-US" sz="1400" dirty="0">
-              <a:solidFill>
-                <a:schemeClr val="tx1"/>
-              </a:solidFill>
-            </a:endParaRPr>
           </a:p>
         </p:txBody>
       </p:sp>
@@ -15695,18 +15894,13 @@
           <a:p>
             <a:pPr algn="ctr"/>
             <a:r>
-              <a:rPr lang="en-US" sz="1600" dirty="0" smtClean="0">
+              <a:rPr lang="en-US" sz="1600" dirty="0">
                 <a:solidFill>
                   <a:schemeClr val="tx1"/>
                 </a:solidFill>
               </a:rPr>
               <a:t>IP</a:t>
             </a:r>
-            <a:endParaRPr lang="en-US" sz="1600" dirty="0">
-              <a:solidFill>
-                <a:schemeClr val="tx1"/>
-              </a:solidFill>
-            </a:endParaRPr>
           </a:p>
         </p:txBody>
       </p:sp>
@@ -15755,18 +15949,13 @@
           <a:p>
             <a:pPr algn="ctr"/>
             <a:r>
-              <a:rPr lang="en-US" sz="1600" dirty="0" smtClean="0">
+              <a:rPr lang="en-US" sz="1600" dirty="0">
                 <a:solidFill>
                   <a:schemeClr val="tx1"/>
                 </a:solidFill>
               </a:rPr>
               <a:t>F</a:t>
             </a:r>
-            <a:endParaRPr lang="en-US" sz="1600" dirty="0">
-              <a:solidFill>
-                <a:schemeClr val="tx1"/>
-              </a:solidFill>
-            </a:endParaRPr>
           </a:p>
         </p:txBody>
       </p:sp>
@@ -15815,18 +16004,13 @@
           <a:p>
             <a:pPr algn="ctr"/>
             <a:r>
-              <a:rPr lang="en-US" sz="1600" dirty="0" smtClean="0">
+              <a:rPr lang="en-US" sz="1600" dirty="0">
                 <a:solidFill>
                   <a:schemeClr val="tx1"/>
                 </a:solidFill>
               </a:rPr>
               <a:t>F</a:t>
             </a:r>
-            <a:endParaRPr lang="en-US" sz="1600" dirty="0">
-              <a:solidFill>
-                <a:schemeClr val="tx1"/>
-              </a:solidFill>
-            </a:endParaRPr>
           </a:p>
         </p:txBody>
       </p:sp>
@@ -15875,18 +16059,13 @@
           <a:p>
             <a:pPr algn="ctr"/>
             <a:r>
-              <a:rPr lang="en-US" sz="1600" dirty="0" smtClean="0">
+              <a:rPr lang="en-US" sz="1600" dirty="0">
                 <a:solidFill>
                   <a:schemeClr val="tx1"/>
                 </a:solidFill>
               </a:rPr>
               <a:t>F</a:t>
             </a:r>
-            <a:endParaRPr lang="en-US" sz="1600" dirty="0">
-              <a:solidFill>
-                <a:schemeClr val="tx1"/>
-              </a:solidFill>
-            </a:endParaRPr>
           </a:p>
         </p:txBody>
       </p:sp>
@@ -15935,18 +16114,13 @@
           <a:p>
             <a:pPr algn="ctr"/>
             <a:r>
-              <a:rPr lang="en-US" sz="1600" dirty="0" smtClean="0">
+              <a:rPr lang="en-US" sz="1600" dirty="0">
                 <a:solidFill>
                   <a:schemeClr val="tx1"/>
                 </a:solidFill>
               </a:rPr>
               <a:t>F</a:t>
             </a:r>
-            <a:endParaRPr lang="en-US" sz="1600" dirty="0">
-              <a:solidFill>
-                <a:schemeClr val="tx1"/>
-              </a:solidFill>
-            </a:endParaRPr>
           </a:p>
         </p:txBody>
       </p:sp>
@@ -15973,10 +16147,9 @@
           <a:lstStyle/>
           <a:p>
             <a:r>
-              <a:rPr lang="en-US" sz="2400" dirty="0" smtClean="0"/>
+              <a:rPr lang="en-US" sz="2400" dirty="0"/>
               <a:t>With redux, each state is valid and most up to date</a:t>
             </a:r>
-            <a:endParaRPr lang="en-US" sz="2400" dirty="0"/>
           </a:p>
         </p:txBody>
       </p:sp>
@@ -16104,10 +16277,9 @@
           <a:lstStyle/>
           <a:p>
             <a:r>
-              <a:rPr lang="en-US" sz="4400" dirty="0" smtClean="0"/>
+              <a:rPr lang="en-US" sz="4400" dirty="0"/>
               <a:t>Store</a:t>
             </a:r>
-            <a:endParaRPr lang="en-US" sz="4400" dirty="0"/>
           </a:p>
         </p:txBody>
       </p:sp>
@@ -16139,10 +16311,9 @@
           <a:lstStyle/>
           <a:p>
             <a:r>
-              <a:rPr lang="en-US" sz="2800" dirty="0" smtClean="0"/>
+              <a:rPr lang="en-US" sz="2800" dirty="0"/>
               <a:t>master</a:t>
             </a:r>
-            <a:endParaRPr lang="en-US" sz="2800" dirty="0"/>
           </a:p>
         </p:txBody>
       </p:sp>
@@ -16174,10 +16345,9 @@
           <a:lstStyle/>
           <a:p>
             <a:r>
-              <a:rPr lang="en-US" sz="2800" dirty="0" smtClean="0"/>
+              <a:rPr lang="en-US" sz="2800" dirty="0"/>
               <a:t>Slave1</a:t>
             </a:r>
-            <a:endParaRPr lang="en-US" sz="2800" dirty="0"/>
           </a:p>
         </p:txBody>
       </p:sp>
@@ -16209,10 +16379,9 @@
           <a:lstStyle/>
           <a:p>
             <a:r>
-              <a:rPr lang="en-US" sz="2800" dirty="0" smtClean="0"/>
+              <a:rPr lang="en-US" sz="2800" dirty="0"/>
               <a:t>Slave2</a:t>
             </a:r>
-            <a:endParaRPr lang="en-US" sz="2800" dirty="0"/>
           </a:p>
         </p:txBody>
       </p:sp>
@@ -16244,10 +16413,9 @@
           <a:lstStyle/>
           <a:p>
             <a:r>
-              <a:rPr lang="en-US" sz="2800" dirty="0" smtClean="0"/>
+              <a:rPr lang="en-US" sz="2800" dirty="0"/>
               <a:t>Slave3</a:t>
             </a:r>
-            <a:endParaRPr lang="en-US" sz="2800" dirty="0"/>
           </a:p>
         </p:txBody>
       </p:sp>
@@ -16337,13 +16505,6 @@
   <p:clrMapOvr>
     <a:masterClrMapping/>
   </p:clrMapOvr>
-  <p:timing>
-    <p:tnLst>
-      <p:par>
-        <p:cTn id="1" dur="indefinite" restart="never" nodeType="tmRoot"/>
-      </p:par>
-    </p:tnLst>
-  </p:timing>
 </p:sld>
 </file>
 
@@ -16380,10 +16541,9 @@
           <a:lstStyle/>
           <a:p>
             <a:r>
-              <a:rPr lang="en-US" dirty="0" smtClean="0"/>
+              <a:rPr lang="en-US" dirty="0"/>
               <a:t>Aggregated State – Solution 3 - Redux</a:t>
             </a:r>
-            <a:endParaRPr lang="en-US" dirty="0"/>
           </a:p>
         </p:txBody>
       </p:sp>
@@ -16523,18 +16683,13 @@
           <a:p>
             <a:pPr algn="ctr"/>
             <a:r>
-              <a:rPr lang="en-US" dirty="0" smtClean="0">
+              <a:rPr lang="en-US" dirty="0">
                 <a:solidFill>
                   <a:schemeClr val="tx1"/>
                 </a:solidFill>
               </a:rPr>
               <a:t>F</a:t>
             </a:r>
-            <a:endParaRPr lang="en-US" dirty="0">
-              <a:solidFill>
-                <a:schemeClr val="tx1"/>
-              </a:solidFill>
-            </a:endParaRPr>
           </a:p>
         </p:txBody>
       </p:sp>
@@ -16583,18 +16738,13 @@
           <a:p>
             <a:pPr algn="ctr"/>
             <a:r>
-              <a:rPr lang="en-US" sz="1600" dirty="0" smtClean="0">
+              <a:rPr lang="en-US" sz="1600" dirty="0">
                 <a:solidFill>
                   <a:schemeClr val="tx1"/>
                 </a:solidFill>
               </a:rPr>
               <a:t>IP</a:t>
             </a:r>
-            <a:endParaRPr lang="en-US" sz="1600" dirty="0">
-              <a:solidFill>
-                <a:schemeClr val="tx1"/>
-              </a:solidFill>
-            </a:endParaRPr>
           </a:p>
         </p:txBody>
       </p:sp>
@@ -16643,18 +16793,13 @@
           <a:p>
             <a:pPr algn="ctr"/>
             <a:r>
-              <a:rPr lang="en-US" sz="1600" dirty="0" smtClean="0">
+              <a:rPr lang="en-US" sz="1600" dirty="0">
                 <a:solidFill>
                   <a:schemeClr val="tx1"/>
                 </a:solidFill>
               </a:rPr>
               <a:t>IP</a:t>
             </a:r>
-            <a:endParaRPr lang="en-US" sz="1600" dirty="0">
-              <a:solidFill>
-                <a:schemeClr val="tx1"/>
-              </a:solidFill>
-            </a:endParaRPr>
           </a:p>
         </p:txBody>
       </p:sp>
@@ -16727,18 +16872,13 @@
           <a:p>
             <a:pPr algn="ctr"/>
             <a:r>
-              <a:rPr lang="en-US" sz="1400" dirty="0" smtClean="0">
+              <a:rPr lang="en-US" sz="1400" dirty="0">
                 <a:solidFill>
                   <a:schemeClr val="tx1"/>
                 </a:solidFill>
               </a:rPr>
               <a:t>IP</a:t>
             </a:r>
-            <a:endParaRPr lang="en-US" sz="1400" dirty="0">
-              <a:solidFill>
-                <a:schemeClr val="tx1"/>
-              </a:solidFill>
-            </a:endParaRPr>
           </a:p>
         </p:txBody>
       </p:sp>
@@ -16811,18 +16951,13 @@
           <a:p>
             <a:pPr algn="ctr"/>
             <a:r>
-              <a:rPr lang="en-US" sz="1600" dirty="0" smtClean="0">
+              <a:rPr lang="en-US" sz="1600" dirty="0">
                 <a:solidFill>
                   <a:schemeClr val="tx1"/>
                 </a:solidFill>
               </a:rPr>
               <a:t>IP</a:t>
             </a:r>
-            <a:endParaRPr lang="en-US" sz="1600" dirty="0">
-              <a:solidFill>
-                <a:schemeClr val="tx1"/>
-              </a:solidFill>
-            </a:endParaRPr>
           </a:p>
         </p:txBody>
       </p:sp>
@@ -16871,18 +17006,13 @@
           <a:p>
             <a:pPr algn="ctr"/>
             <a:r>
-              <a:rPr lang="en-US" sz="1600" dirty="0" smtClean="0">
+              <a:rPr lang="en-US" sz="1600" dirty="0">
                 <a:solidFill>
                   <a:schemeClr val="tx1"/>
                 </a:solidFill>
               </a:rPr>
               <a:t>F</a:t>
             </a:r>
-            <a:endParaRPr lang="en-US" sz="1600" dirty="0">
-              <a:solidFill>
-                <a:schemeClr val="tx1"/>
-              </a:solidFill>
-            </a:endParaRPr>
           </a:p>
         </p:txBody>
       </p:sp>
@@ -16931,18 +17061,13 @@
           <a:p>
             <a:pPr algn="ctr"/>
             <a:r>
-              <a:rPr lang="en-US" sz="1600" dirty="0" smtClean="0">
+              <a:rPr lang="en-US" sz="1600" dirty="0">
                 <a:solidFill>
                   <a:schemeClr val="tx1"/>
                 </a:solidFill>
               </a:rPr>
               <a:t>F</a:t>
             </a:r>
-            <a:endParaRPr lang="en-US" sz="1600" dirty="0">
-              <a:solidFill>
-                <a:schemeClr val="tx1"/>
-              </a:solidFill>
-            </a:endParaRPr>
           </a:p>
         </p:txBody>
       </p:sp>
@@ -16991,18 +17116,13 @@
           <a:p>
             <a:pPr algn="ctr"/>
             <a:r>
-              <a:rPr lang="en-US" sz="1600" dirty="0" smtClean="0">
+              <a:rPr lang="en-US" sz="1600" dirty="0">
                 <a:solidFill>
                   <a:schemeClr val="tx1"/>
                 </a:solidFill>
               </a:rPr>
               <a:t>F</a:t>
             </a:r>
-            <a:endParaRPr lang="en-US" sz="1600" dirty="0">
-              <a:solidFill>
-                <a:schemeClr val="tx1"/>
-              </a:solidFill>
-            </a:endParaRPr>
           </a:p>
         </p:txBody>
       </p:sp>
@@ -17051,18 +17171,13 @@
           <a:p>
             <a:pPr algn="ctr"/>
             <a:r>
-              <a:rPr lang="en-US" sz="1600" dirty="0" smtClean="0">
+              <a:rPr lang="en-US" sz="1600" dirty="0">
                 <a:solidFill>
                   <a:schemeClr val="tx1"/>
                 </a:solidFill>
               </a:rPr>
               <a:t>F</a:t>
             </a:r>
-            <a:endParaRPr lang="en-US" sz="1600" dirty="0">
-              <a:solidFill>
-                <a:schemeClr val="tx1"/>
-              </a:solidFill>
-            </a:endParaRPr>
           </a:p>
         </p:txBody>
       </p:sp>
@@ -17089,10 +17204,9 @@
           <a:lstStyle/>
           <a:p>
             <a:r>
-              <a:rPr lang="en-US" sz="2400" dirty="0" smtClean="0"/>
+              <a:rPr lang="en-US" sz="2400" dirty="0"/>
               <a:t>With redux, each state is valid and most up to date</a:t>
             </a:r>
-            <a:endParaRPr lang="en-US" sz="2400" dirty="0"/>
           </a:p>
         </p:txBody>
       </p:sp>
@@ -17220,10 +17334,9 @@
           <a:lstStyle/>
           <a:p>
             <a:r>
-              <a:rPr lang="en-US" sz="4400" dirty="0" smtClean="0"/>
+              <a:rPr lang="en-US" sz="4400" dirty="0"/>
               <a:t>Store</a:t>
             </a:r>
-            <a:endParaRPr lang="en-US" sz="4400" dirty="0"/>
           </a:p>
         </p:txBody>
       </p:sp>
@@ -17255,10 +17368,9 @@
           <a:lstStyle/>
           <a:p>
             <a:r>
-              <a:rPr lang="en-US" sz="2800" dirty="0" smtClean="0"/>
+              <a:rPr lang="en-US" sz="2800" dirty="0"/>
               <a:t>master</a:t>
             </a:r>
-            <a:endParaRPr lang="en-US" sz="2800" dirty="0"/>
           </a:p>
         </p:txBody>
       </p:sp>
@@ -17290,10 +17402,9 @@
           <a:lstStyle/>
           <a:p>
             <a:r>
-              <a:rPr lang="en-US" sz="2800" dirty="0" smtClean="0"/>
+              <a:rPr lang="en-US" sz="2800" dirty="0"/>
               <a:t>Slave1</a:t>
             </a:r>
-            <a:endParaRPr lang="en-US" sz="2800" dirty="0"/>
           </a:p>
         </p:txBody>
       </p:sp>
@@ -17325,10 +17436,9 @@
           <a:lstStyle/>
           <a:p>
             <a:r>
-              <a:rPr lang="en-US" sz="2800" dirty="0" smtClean="0"/>
+              <a:rPr lang="en-US" sz="2800" dirty="0"/>
               <a:t>Slave2</a:t>
             </a:r>
-            <a:endParaRPr lang="en-US" sz="2800" dirty="0"/>
           </a:p>
         </p:txBody>
       </p:sp>
@@ -17360,10 +17470,9 @@
           <a:lstStyle/>
           <a:p>
             <a:r>
-              <a:rPr lang="en-US" sz="2800" dirty="0" smtClean="0"/>
+              <a:rPr lang="en-US" sz="2800" dirty="0"/>
               <a:t>Slave3</a:t>
             </a:r>
-            <a:endParaRPr lang="en-US" sz="2800" dirty="0"/>
           </a:p>
         </p:txBody>
       </p:sp>
@@ -17453,13 +17562,6 @@
   <p:clrMapOvr>
     <a:masterClrMapping/>
   </p:clrMapOvr>
-  <p:timing>
-    <p:tnLst>
-      <p:par>
-        <p:cTn id="1" dur="indefinite" restart="never" nodeType="tmRoot"/>
-      </p:par>
-    </p:tnLst>
-  </p:timing>
 </p:sld>
 </file>
 
@@ -17496,10 +17598,9 @@
           <a:lstStyle/>
           <a:p>
             <a:r>
-              <a:rPr lang="en-US" dirty="0" smtClean="0"/>
+              <a:rPr lang="en-US" dirty="0"/>
               <a:t>Aggregated State – Solution 3 - Redux</a:t>
             </a:r>
-            <a:endParaRPr lang="en-US" dirty="0"/>
           </a:p>
         </p:txBody>
       </p:sp>
@@ -17639,18 +17740,13 @@
           <a:p>
             <a:pPr algn="ctr"/>
             <a:r>
-              <a:rPr lang="en-US" dirty="0" smtClean="0">
+              <a:rPr lang="en-US" dirty="0">
                 <a:solidFill>
                   <a:schemeClr val="tx1"/>
                 </a:solidFill>
               </a:rPr>
               <a:t>F</a:t>
             </a:r>
-            <a:endParaRPr lang="en-US" dirty="0">
-              <a:solidFill>
-                <a:schemeClr val="tx1"/>
-              </a:solidFill>
-            </a:endParaRPr>
           </a:p>
         </p:txBody>
       </p:sp>
@@ -17699,18 +17795,13 @@
           <a:p>
             <a:pPr algn="ctr"/>
             <a:r>
-              <a:rPr lang="en-US" sz="1600" dirty="0" smtClean="0">
+              <a:rPr lang="en-US" sz="1600" dirty="0">
                 <a:solidFill>
                   <a:schemeClr val="tx1"/>
                 </a:solidFill>
               </a:rPr>
               <a:t>IP</a:t>
             </a:r>
-            <a:endParaRPr lang="en-US" sz="1600" dirty="0">
-              <a:solidFill>
-                <a:schemeClr val="tx1"/>
-              </a:solidFill>
-            </a:endParaRPr>
           </a:p>
         </p:txBody>
       </p:sp>
@@ -17759,18 +17850,13 @@
           <a:p>
             <a:pPr algn="ctr"/>
             <a:r>
-              <a:rPr lang="en-US" sz="1600" dirty="0" smtClean="0">
+              <a:rPr lang="en-US" sz="1600" dirty="0">
                 <a:solidFill>
                   <a:schemeClr val="tx1"/>
                 </a:solidFill>
               </a:rPr>
               <a:t>IP</a:t>
             </a:r>
-            <a:endParaRPr lang="en-US" sz="1600" dirty="0">
-              <a:solidFill>
-                <a:schemeClr val="tx1"/>
-              </a:solidFill>
-            </a:endParaRPr>
           </a:p>
         </p:txBody>
       </p:sp>
@@ -17843,18 +17929,13 @@
           <a:p>
             <a:pPr algn="ctr"/>
             <a:r>
-              <a:rPr lang="en-US" sz="1400" dirty="0" smtClean="0">
+              <a:rPr lang="en-US" sz="1400" dirty="0">
                 <a:solidFill>
                   <a:schemeClr val="tx1"/>
                 </a:solidFill>
               </a:rPr>
               <a:t>IP</a:t>
             </a:r>
-            <a:endParaRPr lang="en-US" sz="1400" dirty="0">
-              <a:solidFill>
-                <a:schemeClr val="tx1"/>
-              </a:solidFill>
-            </a:endParaRPr>
           </a:p>
         </p:txBody>
       </p:sp>
@@ -17927,18 +18008,13 @@
           <a:p>
             <a:pPr algn="ctr"/>
             <a:r>
-              <a:rPr lang="en-US" sz="1600" dirty="0" smtClean="0">
+              <a:rPr lang="en-US" sz="1600" dirty="0">
                 <a:solidFill>
                   <a:schemeClr val="tx1"/>
                 </a:solidFill>
               </a:rPr>
               <a:t>IP</a:t>
             </a:r>
-            <a:endParaRPr lang="en-US" sz="1600" dirty="0">
-              <a:solidFill>
-                <a:schemeClr val="tx1"/>
-              </a:solidFill>
-            </a:endParaRPr>
           </a:p>
         </p:txBody>
       </p:sp>
@@ -18083,18 +18159,13 @@
           <a:p>
             <a:pPr algn="ctr"/>
             <a:r>
-              <a:rPr lang="en-US" sz="1600" dirty="0" smtClean="0">
+              <a:rPr lang="en-US" sz="1600" dirty="0">
                 <a:solidFill>
                   <a:schemeClr val="tx1"/>
                 </a:solidFill>
               </a:rPr>
               <a:t>F</a:t>
             </a:r>
-            <a:endParaRPr lang="en-US" sz="1600" dirty="0">
-              <a:solidFill>
-                <a:schemeClr val="tx1"/>
-              </a:solidFill>
-            </a:endParaRPr>
           </a:p>
         </p:txBody>
       </p:sp>
@@ -18143,18 +18214,13 @@
           <a:p>
             <a:pPr algn="ctr"/>
             <a:r>
-              <a:rPr lang="en-US" sz="1600" dirty="0" smtClean="0">
+              <a:rPr lang="en-US" sz="1600" dirty="0">
                 <a:solidFill>
                   <a:schemeClr val="tx1"/>
                 </a:solidFill>
               </a:rPr>
               <a:t>F</a:t>
             </a:r>
-            <a:endParaRPr lang="en-US" sz="1600" dirty="0">
-              <a:solidFill>
-                <a:schemeClr val="tx1"/>
-              </a:solidFill>
-            </a:endParaRPr>
           </a:p>
         </p:txBody>
       </p:sp>
@@ -18203,18 +18269,13 @@
           <a:p>
             <a:pPr algn="ctr"/>
             <a:r>
-              <a:rPr lang="en-US" sz="1600" dirty="0" smtClean="0">
+              <a:rPr lang="en-US" sz="1600" dirty="0">
                 <a:solidFill>
                   <a:schemeClr val="tx1"/>
                 </a:solidFill>
               </a:rPr>
               <a:t>F</a:t>
             </a:r>
-            <a:endParaRPr lang="en-US" sz="1600" dirty="0">
-              <a:solidFill>
-                <a:schemeClr val="tx1"/>
-              </a:solidFill>
-            </a:endParaRPr>
           </a:p>
         </p:txBody>
       </p:sp>
@@ -18263,18 +18324,13 @@
           <a:p>
             <a:pPr algn="ctr"/>
             <a:r>
-              <a:rPr lang="en-US" sz="1600" dirty="0" smtClean="0">
+              <a:rPr lang="en-US" sz="1600" dirty="0">
                 <a:solidFill>
                   <a:schemeClr val="tx1"/>
                 </a:solidFill>
               </a:rPr>
               <a:t>F</a:t>
             </a:r>
-            <a:endParaRPr lang="en-US" sz="1600" dirty="0">
-              <a:solidFill>
-                <a:schemeClr val="tx1"/>
-              </a:solidFill>
-            </a:endParaRPr>
           </a:p>
         </p:txBody>
       </p:sp>
@@ -18352,13 +18408,6 @@
   <p:clrMapOvr>
     <a:masterClrMapping/>
   </p:clrMapOvr>
-  <p:timing>
-    <p:tnLst>
-      <p:par>
-        <p:cTn id="1" dur="indefinite" restart="never" nodeType="tmRoot"/>
-      </p:par>
-    </p:tnLst>
-  </p:timing>
 </p:sld>
 </file>
 
@@ -18395,10 +18444,9 @@
           <a:lstStyle/>
           <a:p>
             <a:r>
-              <a:rPr lang="en-US" dirty="0" smtClean="0"/>
+              <a:rPr lang="en-US" dirty="0"/>
               <a:t>Aggregated State – Redux Example</a:t>
             </a:r>
-            <a:endParaRPr lang="en-US" dirty="0"/>
           </a:p>
         </p:txBody>
       </p:sp>
@@ -18425,10 +18473,9 @@
           <a:lstStyle/>
           <a:p>
             <a:r>
-              <a:rPr lang="en-US" sz="2400" dirty="0" smtClean="0"/>
+              <a:rPr lang="en-US" sz="2400" dirty="0"/>
               <a:t>State tree</a:t>
             </a:r>
-            <a:endParaRPr lang="en-US" sz="2400" dirty="0"/>
           </a:p>
         </p:txBody>
       </p:sp>
@@ -18466,13 +18513,6 @@
   <p:clrMapOvr>
     <a:masterClrMapping/>
   </p:clrMapOvr>
-  <p:timing>
-    <p:tnLst>
-      <p:par>
-        <p:cTn id="1" dur="indefinite" restart="never" nodeType="tmRoot"/>
-      </p:par>
-    </p:tnLst>
-  </p:timing>
 </p:sld>
 </file>
 
@@ -18509,10 +18549,9 @@
           <a:lstStyle/>
           <a:p>
             <a:r>
-              <a:rPr lang="en-US" dirty="0" smtClean="0"/>
+              <a:rPr lang="en-US" dirty="0"/>
               <a:t>Aggregated State – Redux Example</a:t>
             </a:r>
-            <a:endParaRPr lang="en-US" dirty="0"/>
           </a:p>
         </p:txBody>
       </p:sp>
@@ -18539,10 +18578,9 @@
           <a:lstStyle/>
           <a:p>
             <a:r>
-              <a:rPr lang="en-US" sz="2400" dirty="0" smtClean="0"/>
+              <a:rPr lang="en-US" sz="2400" dirty="0"/>
               <a:t>Actions</a:t>
             </a:r>
-            <a:endParaRPr lang="en-US" sz="2400" dirty="0"/>
           </a:p>
         </p:txBody>
       </p:sp>
@@ -18580,13 +18618,6 @@
   <p:clrMapOvr>
     <a:masterClrMapping/>
   </p:clrMapOvr>
-  <p:timing>
-    <p:tnLst>
-      <p:par>
-        <p:cTn id="1" dur="indefinite" restart="never" nodeType="tmRoot"/>
-      </p:par>
-    </p:tnLst>
-  </p:timing>
 </p:sld>
 </file>
 
@@ -18623,10 +18654,9 @@
           <a:lstStyle/>
           <a:p>
             <a:r>
-              <a:rPr lang="en-US" dirty="0" smtClean="0"/>
+              <a:rPr lang="en-US" dirty="0"/>
               <a:t>Aggregated State – Redux Example</a:t>
             </a:r>
-            <a:endParaRPr lang="en-US" dirty="0"/>
           </a:p>
         </p:txBody>
       </p:sp>
@@ -18653,10 +18683,9 @@
           <a:lstStyle/>
           <a:p>
             <a:r>
-              <a:rPr lang="en-US" sz="2400" dirty="0" smtClean="0"/>
+              <a:rPr lang="en-US" sz="2400" dirty="0"/>
               <a:t>Actions</a:t>
             </a:r>
-            <a:endParaRPr lang="en-US" sz="2400" dirty="0"/>
           </a:p>
         </p:txBody>
       </p:sp>
@@ -18694,13 +18723,6 @@
   <p:clrMapOvr>
     <a:masterClrMapping/>
   </p:clrMapOvr>
-  <p:timing>
-    <p:tnLst>
-      <p:par>
-        <p:cTn id="1" dur="indefinite" restart="never" nodeType="tmRoot"/>
-      </p:par>
-    </p:tnLst>
-  </p:timing>
 </p:sld>
 </file>
 
@@ -18755,13 +18777,6 @@
   <p:clrMapOvr>
     <a:masterClrMapping/>
   </p:clrMapOvr>
-  <p:timing>
-    <p:tnLst>
-      <p:par>
-        <p:cTn id="1" dur="indefinite" restart="never" nodeType="tmRoot"/>
-      </p:par>
-    </p:tnLst>
-  </p:timing>
 </p:sld>
 </file>
 
@@ -18798,10 +18813,9 @@
           <a:lstStyle/>
           <a:p>
             <a:r>
-              <a:rPr lang="en-US" dirty="0" smtClean="0"/>
+              <a:rPr lang="en-US" dirty="0"/>
               <a:t>Aggregated State – Solution 3 - Redux</a:t>
             </a:r>
-            <a:endParaRPr lang="en-US" dirty="0"/>
           </a:p>
         </p:txBody>
       </p:sp>
@@ -18852,10 +18866,9 @@
           <a:lstStyle/>
           <a:p>
             <a:r>
-              <a:rPr lang="en-US" sz="2400" dirty="0" smtClean="0"/>
+              <a:rPr lang="en-US" sz="2400" dirty="0"/>
               <a:t>How does Redux works?</a:t>
             </a:r>
-            <a:endParaRPr lang="en-US" sz="2400" dirty="0"/>
           </a:p>
         </p:txBody>
       </p:sp>
@@ -19013,13 +19026,6 @@
   <p:clrMapOvr>
     <a:masterClrMapping/>
   </p:clrMapOvr>
-  <p:timing>
-    <p:tnLst>
-      <p:par>
-        <p:cTn id="1" dur="indefinite" restart="never" nodeType="tmRoot"/>
-      </p:par>
-    </p:tnLst>
-  </p:timing>
 </p:sld>
 </file>
 
@@ -19080,19 +19086,19 @@
           <a:lstStyle/>
           <a:p>
             <a:r>
-              <a:rPr lang="en-US" dirty="0" smtClean="0"/>
+              <a:rPr lang="en-US" dirty="0"/>
               <a:t>The problem</a:t>
             </a:r>
           </a:p>
           <a:p>
             <a:r>
-              <a:rPr lang="en-US" dirty="0" smtClean="0"/>
+              <a:rPr lang="en-US" dirty="0"/>
               <a:t>Solution 1 – Analyzing dependencies</a:t>
             </a:r>
           </a:p>
           <a:p>
             <a:r>
-              <a:rPr lang="en-US" dirty="0" smtClean="0"/>
+              <a:rPr lang="en-US" dirty="0"/>
               <a:t>Solution 3 – Redux</a:t>
             </a:r>
           </a:p>
@@ -19104,7 +19110,7 @@
             <a:pPr marL="457200" lvl="1" indent="0">
               <a:buNone/>
             </a:pPr>
-            <a:endParaRPr lang="en-US" dirty="0" smtClean="0"/>
+            <a:endParaRPr lang="en-US" dirty="0"/>
           </a:p>
         </p:txBody>
       </p:sp>
@@ -19118,13 +19124,6 @@
   <p:clrMapOvr>
     <a:masterClrMapping/>
   </p:clrMapOvr>
-  <p:timing>
-    <p:tnLst>
-      <p:par>
-        <p:cTn id="1" dur="indefinite" restart="never" nodeType="tmRoot"/>
-      </p:par>
-    </p:tnLst>
-  </p:timing>
 </p:sld>
 </file>
 
@@ -19161,10 +19160,9 @@
           <a:lstStyle/>
           <a:p>
             <a:r>
-              <a:rPr lang="en-US" dirty="0" smtClean="0"/>
+              <a:rPr lang="en-US" dirty="0"/>
               <a:t>Where to go from here?</a:t>
             </a:r>
-            <a:endParaRPr lang="en-US" dirty="0"/>
           </a:p>
         </p:txBody>
       </p:sp>
@@ -19200,13 +19198,6 @@
   <p:clrMapOvr>
     <a:masterClrMapping/>
   </p:clrMapOvr>
-  <p:timing>
-    <p:tnLst>
-      <p:par>
-        <p:cTn id="1" dur="indefinite" restart="never" nodeType="tmRoot"/>
-      </p:par>
-    </p:tnLst>
-  </p:timing>
 </p:sld>
 </file>
 
@@ -19266,35 +19257,19 @@
           <a:p>
             <a:r>
               <a:rPr lang="en-US" dirty="0"/>
-              <a:t>Functional Programming in Java 8 - Part 3 - Streams In Depth </a:t>
-            </a:r>
-            <a:r>
-              <a:rPr lang="en-US" dirty="0" smtClean="0"/>
-              <a:t>– Intro</a:t>
-            </a:r>
-          </a:p>
-          <a:p>
-            <a:r>
-              <a:rPr lang="en-US" dirty="0" smtClean="0"/>
-              <a:t>Functional </a:t>
-            </a:r>
+              <a:t>Functional Programming in Java 8 - Part 3 - Streams In Depth – Intro</a:t>
+            </a:r>
+          </a:p>
+          <a:p>
             <a:r>
               <a:rPr lang="en-US" dirty="0"/>
-              <a:t>Programming in Java 8 - Part 4 - Optional and Primitive </a:t>
-            </a:r>
-            <a:r>
-              <a:rPr lang="en-US" dirty="0" smtClean="0"/>
-              <a:t>Streams</a:t>
-            </a:r>
-          </a:p>
-          <a:p>
-            <a:r>
-              <a:rPr lang="en-US" dirty="0" smtClean="0"/>
-              <a:t>Functional </a:t>
-            </a:r>
+              <a:t>Functional Programming in Java 8 - Part 4 - Optional and Primitive Streams</a:t>
+            </a:r>
+          </a:p>
+          <a:p>
             <a:r>
               <a:rPr lang="en-US" dirty="0"/>
-              <a:t>Programming in Java 8 - Part 5 - Reactive Streams</a:t>
+              <a:t>Functional Programming in Java 8 - Part 5 - Reactive Streams</a:t>
             </a:r>
           </a:p>
         </p:txBody>
@@ -19309,13 +19284,6 @@
   <p:clrMapOvr>
     <a:masterClrMapping/>
   </p:clrMapOvr>
-  <p:timing>
-    <p:tnLst>
-      <p:par>
-        <p:cTn id="1" dur="indefinite" restart="never" nodeType="tmRoot"/>
-      </p:par>
-    </p:tnLst>
-  </p:timing>
 </p:sld>
 </file>
 
@@ -19381,10 +19349,9 @@
           <a:lstStyle/>
           <a:p>
             <a:r>
-              <a:rPr lang="en-US" dirty="0" smtClean="0"/>
+              <a:rPr lang="en-US" dirty="0"/>
               <a:t>Aggregated State – Exercise</a:t>
             </a:r>
-            <a:endParaRPr lang="en-US" dirty="0"/>
           </a:p>
         </p:txBody>
       </p:sp>
@@ -19411,10 +19378,9 @@
           <a:lstStyle/>
           <a:p>
             <a:r>
-              <a:rPr lang="en-US" sz="2400" dirty="0" smtClean="0"/>
+              <a:rPr lang="en-US" sz="2400" dirty="0"/>
               <a:t>Analyze the dependencies and implement your redux</a:t>
             </a:r>
-            <a:endParaRPr lang="en-US" sz="2400" dirty="0"/>
           </a:p>
         </p:txBody>
       </p:sp>
@@ -19428,13 +19394,6 @@
   <p:clrMapOvr>
     <a:masterClrMapping/>
   </p:clrMapOvr>
-  <p:timing>
-    <p:tnLst>
-      <p:par>
-        <p:cTn id="1" dur="indefinite" restart="never" nodeType="tmRoot"/>
-      </p:par>
-    </p:tnLst>
-  </p:timing>
 </p:sld>
 </file>
 
@@ -19472,13 +19431,8 @@
           <a:p>
             <a:r>
               <a:rPr lang="en-US" dirty="0"/>
-              <a:t>Aggregated </a:t>
-            </a:r>
-            <a:r>
-              <a:rPr lang="en-US" dirty="0" smtClean="0"/>
-              <a:t>State – The Problem</a:t>
-            </a:r>
-            <a:endParaRPr lang="en-US" dirty="0"/>
+              <a:t>Aggregated State – The Problem</a:t>
+            </a:r>
           </a:p>
         </p:txBody>
       </p:sp>
@@ -19631,13 +19585,6 @@
   <p:clrMapOvr>
     <a:masterClrMapping/>
   </p:clrMapOvr>
-  <p:timing>
-    <p:tnLst>
-      <p:par>
-        <p:cTn id="1" dur="indefinite" restart="never" nodeType="tmRoot"/>
-      </p:par>
-    </p:tnLst>
-  </p:timing>
 </p:sld>
 </file>
 
@@ -19675,13 +19622,8 @@
           <a:p>
             <a:r>
               <a:rPr lang="en-US" dirty="0"/>
-              <a:t>Aggregated </a:t>
-            </a:r>
-            <a:r>
-              <a:rPr lang="en-US" dirty="0" smtClean="0"/>
-              <a:t>State – The problem</a:t>
-            </a:r>
-            <a:endParaRPr lang="en-US" dirty="0"/>
+              <a:t>Aggregated State – The problem</a:t>
+            </a:r>
           </a:p>
         </p:txBody>
       </p:sp>
@@ -19941,18 +19883,13 @@
           <a:p>
             <a:pPr algn="ctr"/>
             <a:r>
-              <a:rPr lang="en-US" dirty="0" smtClean="0">
+              <a:rPr lang="en-US" dirty="0">
                 <a:solidFill>
                   <a:schemeClr val="tx1"/>
                 </a:solidFill>
               </a:rPr>
               <a:t>F</a:t>
             </a:r>
-            <a:endParaRPr lang="en-US" dirty="0">
-              <a:solidFill>
-                <a:schemeClr val="tx1"/>
-              </a:solidFill>
-            </a:endParaRPr>
           </a:p>
         </p:txBody>
       </p:sp>
@@ -20001,18 +19938,13 @@
           <a:p>
             <a:pPr algn="ctr"/>
             <a:r>
-              <a:rPr lang="en-US" dirty="0" smtClean="0">
+              <a:rPr lang="en-US" dirty="0">
                 <a:solidFill>
                   <a:schemeClr val="tx1"/>
                 </a:solidFill>
               </a:rPr>
               <a:t>T</a:t>
             </a:r>
-            <a:endParaRPr lang="en-US" dirty="0">
-              <a:solidFill>
-                <a:schemeClr val="tx1"/>
-              </a:solidFill>
-            </a:endParaRPr>
           </a:p>
         </p:txBody>
       </p:sp>
@@ -20061,18 +19993,13 @@
           <a:p>
             <a:pPr algn="ctr"/>
             <a:r>
-              <a:rPr lang="en-US" dirty="0" smtClean="0">
+              <a:rPr lang="en-US" dirty="0">
                 <a:solidFill>
                   <a:schemeClr val="tx1"/>
                 </a:solidFill>
               </a:rPr>
               <a:t>F</a:t>
             </a:r>
-            <a:endParaRPr lang="en-US" dirty="0">
-              <a:solidFill>
-                <a:schemeClr val="tx1"/>
-              </a:solidFill>
-            </a:endParaRPr>
           </a:p>
         </p:txBody>
       </p:sp>
@@ -20121,18 +20048,13 @@
           <a:p>
             <a:pPr algn="ctr"/>
             <a:r>
-              <a:rPr lang="en-US" dirty="0" smtClean="0">
+              <a:rPr lang="en-US" dirty="0">
                 <a:solidFill>
                   <a:schemeClr val="tx1"/>
                 </a:solidFill>
               </a:rPr>
               <a:t>T</a:t>
             </a:r>
-            <a:endParaRPr lang="en-US" dirty="0">
-              <a:solidFill>
-                <a:schemeClr val="tx1"/>
-              </a:solidFill>
-            </a:endParaRPr>
           </a:p>
         </p:txBody>
       </p:sp>
@@ -20181,18 +20103,13 @@
           <a:p>
             <a:pPr algn="ctr"/>
             <a:r>
-              <a:rPr lang="en-US" dirty="0" smtClean="0">
+              <a:rPr lang="en-US" dirty="0">
                 <a:solidFill>
                   <a:schemeClr val="tx1"/>
                 </a:solidFill>
               </a:rPr>
               <a:t>F</a:t>
             </a:r>
-            <a:endParaRPr lang="en-US" dirty="0">
-              <a:solidFill>
-                <a:schemeClr val="tx1"/>
-              </a:solidFill>
-            </a:endParaRPr>
           </a:p>
         </p:txBody>
       </p:sp>
@@ -20241,18 +20158,13 @@
           <a:p>
             <a:pPr algn="ctr"/>
             <a:r>
-              <a:rPr lang="en-US" dirty="0" smtClean="0">
+              <a:rPr lang="en-US" dirty="0">
                 <a:solidFill>
                   <a:schemeClr val="tx1"/>
                 </a:solidFill>
               </a:rPr>
               <a:t>T</a:t>
             </a:r>
-            <a:endParaRPr lang="en-US" dirty="0">
-              <a:solidFill>
-                <a:schemeClr val="tx1"/>
-              </a:solidFill>
-            </a:endParaRPr>
           </a:p>
         </p:txBody>
       </p:sp>
@@ -20301,18 +20213,13 @@
           <a:p>
             <a:pPr algn="ctr"/>
             <a:r>
-              <a:rPr lang="en-US" dirty="0" smtClean="0">
+              <a:rPr lang="en-US" dirty="0">
                 <a:solidFill>
                   <a:schemeClr val="tx1"/>
                 </a:solidFill>
               </a:rPr>
               <a:t>F</a:t>
             </a:r>
-            <a:endParaRPr lang="en-US" dirty="0">
-              <a:solidFill>
-                <a:schemeClr val="tx1"/>
-              </a:solidFill>
-            </a:endParaRPr>
           </a:p>
         </p:txBody>
       </p:sp>
@@ -20409,18 +20316,13 @@
           <a:p>
             <a:pPr algn="ctr"/>
             <a:r>
-              <a:rPr lang="en-US" sz="1400" dirty="0" smtClean="0">
+              <a:rPr lang="en-US" sz="1400" dirty="0">
                 <a:solidFill>
                   <a:schemeClr val="tx1"/>
                 </a:solidFill>
               </a:rPr>
               <a:t>0</a:t>
             </a:r>
-            <a:endParaRPr lang="en-US" sz="1400" dirty="0">
-              <a:solidFill>
-                <a:schemeClr val="tx1"/>
-              </a:solidFill>
-            </a:endParaRPr>
           </a:p>
         </p:txBody>
       </p:sp>
@@ -20469,18 +20371,13 @@
           <a:p>
             <a:pPr algn="ctr"/>
             <a:r>
-              <a:rPr lang="en-US" sz="1400" dirty="0" smtClean="0">
+              <a:rPr lang="en-US" sz="1400" dirty="0">
                 <a:solidFill>
                   <a:schemeClr val="tx1"/>
                 </a:solidFill>
               </a:rPr>
               <a:t>3</a:t>
             </a:r>
-            <a:endParaRPr lang="en-US" sz="1400" dirty="0">
-              <a:solidFill>
-                <a:schemeClr val="tx1"/>
-              </a:solidFill>
-            </a:endParaRPr>
           </a:p>
         </p:txBody>
       </p:sp>
@@ -20584,18 +20481,13 @@
           <a:p>
             <a:pPr algn="ctr"/>
             <a:r>
-              <a:rPr lang="en-US" sz="1200" dirty="0" smtClean="0">
+              <a:rPr lang="en-US" sz="1200" dirty="0">
                 <a:solidFill>
                   <a:schemeClr val="tx1"/>
                 </a:solidFill>
               </a:rPr>
               <a:t>10</a:t>
             </a:r>
-            <a:endParaRPr lang="en-US" sz="1200" dirty="0">
-              <a:solidFill>
-                <a:schemeClr val="tx1"/>
-              </a:solidFill>
-            </a:endParaRPr>
           </a:p>
         </p:txBody>
       </p:sp>
@@ -20644,18 +20536,13 @@
           <a:p>
             <a:pPr algn="ctr"/>
             <a:r>
-              <a:rPr lang="en-US" sz="1200" dirty="0" smtClean="0">
+              <a:rPr lang="en-US" sz="1200" dirty="0">
                 <a:solidFill>
                   <a:schemeClr val="tx1"/>
                 </a:solidFill>
               </a:rPr>
               <a:t>0</a:t>
             </a:r>
-            <a:endParaRPr lang="en-US" sz="1200" dirty="0">
-              <a:solidFill>
-                <a:schemeClr val="tx1"/>
-              </a:solidFill>
-            </a:endParaRPr>
           </a:p>
         </p:txBody>
       </p:sp>
@@ -20704,18 +20591,13 @@
           <a:p>
             <a:pPr algn="ctr"/>
             <a:r>
-              <a:rPr lang="en-US" sz="1200" dirty="0" smtClean="0">
+              <a:rPr lang="en-US" sz="1200" dirty="0">
                 <a:solidFill>
                   <a:schemeClr val="tx1"/>
                 </a:solidFill>
               </a:rPr>
               <a:t>19</a:t>
             </a:r>
-            <a:endParaRPr lang="en-US" sz="1200" dirty="0">
-              <a:solidFill>
-                <a:schemeClr val="tx1"/>
-              </a:solidFill>
-            </a:endParaRPr>
           </a:p>
         </p:txBody>
       </p:sp>
@@ -20764,18 +20646,13 @@
           <a:p>
             <a:pPr algn="ctr"/>
             <a:r>
-              <a:rPr lang="en-US" sz="1200" dirty="0" smtClean="0">
+              <a:rPr lang="en-US" sz="1200" dirty="0">
                 <a:solidFill>
                   <a:schemeClr val="tx1"/>
                 </a:solidFill>
               </a:rPr>
               <a:t>4</a:t>
             </a:r>
-            <a:endParaRPr lang="en-US" sz="1200" dirty="0">
-              <a:solidFill>
-                <a:schemeClr val="tx1"/>
-              </a:solidFill>
-            </a:endParaRPr>
           </a:p>
         </p:txBody>
       </p:sp>
@@ -20824,18 +20701,13 @@
           <a:p>
             <a:pPr algn="ctr"/>
             <a:r>
-              <a:rPr lang="en-US" sz="1200" dirty="0" smtClean="0">
+              <a:rPr lang="en-US" sz="1200" dirty="0">
                 <a:solidFill>
                   <a:schemeClr val="tx1"/>
                 </a:solidFill>
               </a:rPr>
               <a:t>0</a:t>
             </a:r>
-            <a:endParaRPr lang="en-US" sz="1200" dirty="0">
-              <a:solidFill>
-                <a:schemeClr val="tx1"/>
-              </a:solidFill>
-            </a:endParaRPr>
           </a:p>
         </p:txBody>
       </p:sp>
@@ -20932,18 +20804,13 @@
           <a:p>
             <a:pPr algn="ctr"/>
             <a:r>
-              <a:rPr lang="en-US" dirty="0" smtClean="0">
+              <a:rPr lang="en-US" dirty="0">
                 <a:solidFill>
                   <a:schemeClr val="tx1"/>
                 </a:solidFill>
               </a:rPr>
               <a:t>F</a:t>
             </a:r>
-            <a:endParaRPr lang="en-US" dirty="0">
-              <a:solidFill>
-                <a:schemeClr val="tx1"/>
-              </a:solidFill>
-            </a:endParaRPr>
           </a:p>
         </p:txBody>
       </p:sp>
@@ -20992,18 +20859,13 @@
           <a:p>
             <a:pPr algn="ctr"/>
             <a:r>
-              <a:rPr lang="en-US" dirty="0" smtClean="0">
+              <a:rPr lang="en-US" dirty="0">
                 <a:solidFill>
                   <a:schemeClr val="tx1"/>
                 </a:solidFill>
               </a:rPr>
               <a:t>T</a:t>
             </a:r>
-            <a:endParaRPr lang="en-US" dirty="0">
-              <a:solidFill>
-                <a:schemeClr val="tx1"/>
-              </a:solidFill>
-            </a:endParaRPr>
           </a:p>
         </p:txBody>
       </p:sp>
@@ -21041,13 +20903,6 @@
   <p:clrMapOvr>
     <a:masterClrMapping/>
   </p:clrMapOvr>
-  <p:timing>
-    <p:tnLst>
-      <p:par>
-        <p:cTn id="1" dur="indefinite" restart="never" nodeType="tmRoot"/>
-      </p:par>
-    </p:tnLst>
-  </p:timing>
 </p:sld>
 </file>
 
@@ -21084,12 +20939,8 @@
           <a:lstStyle/>
           <a:p>
             <a:r>
-              <a:rPr lang="en-US" dirty="0" smtClean="0"/>
-              <a:t>Aggregated State </a:t>
-            </a:r>
-            <a:r>
               <a:rPr lang="en-US" dirty="0"/>
-              <a:t>- The problem</a:t>
+              <a:t>Aggregated State - The problem</a:t>
             </a:r>
           </a:p>
         </p:txBody>
@@ -21350,18 +21201,13 @@
           <a:p>
             <a:pPr algn="ctr"/>
             <a:r>
-              <a:rPr lang="en-US" dirty="0" smtClean="0">
+              <a:rPr lang="en-US" dirty="0">
                 <a:solidFill>
                   <a:schemeClr val="tx1"/>
                 </a:solidFill>
               </a:rPr>
               <a:t>F</a:t>
             </a:r>
-            <a:endParaRPr lang="en-US" dirty="0">
-              <a:solidFill>
-                <a:schemeClr val="tx1"/>
-              </a:solidFill>
-            </a:endParaRPr>
           </a:p>
         </p:txBody>
       </p:sp>
@@ -21410,18 +21256,13 @@
           <a:p>
             <a:pPr algn="ctr"/>
             <a:r>
-              <a:rPr lang="en-US" dirty="0" smtClean="0">
+              <a:rPr lang="en-US" dirty="0">
                 <a:solidFill>
                   <a:schemeClr val="tx1"/>
                 </a:solidFill>
               </a:rPr>
               <a:t>T</a:t>
             </a:r>
-            <a:endParaRPr lang="en-US" dirty="0">
-              <a:solidFill>
-                <a:schemeClr val="tx1"/>
-              </a:solidFill>
-            </a:endParaRPr>
           </a:p>
         </p:txBody>
       </p:sp>
@@ -21470,18 +21311,13 @@
           <a:p>
             <a:pPr algn="ctr"/>
             <a:r>
-              <a:rPr lang="en-US" dirty="0" smtClean="0">
+              <a:rPr lang="en-US" dirty="0">
                 <a:solidFill>
                   <a:schemeClr val="tx1"/>
                 </a:solidFill>
               </a:rPr>
               <a:t>F</a:t>
             </a:r>
-            <a:endParaRPr lang="en-US" dirty="0">
-              <a:solidFill>
-                <a:schemeClr val="tx1"/>
-              </a:solidFill>
-            </a:endParaRPr>
           </a:p>
         </p:txBody>
       </p:sp>
@@ -21530,18 +21366,13 @@
           <a:p>
             <a:pPr algn="ctr"/>
             <a:r>
-              <a:rPr lang="en-US" dirty="0" smtClean="0">
+              <a:rPr lang="en-US" dirty="0">
                 <a:solidFill>
                   <a:schemeClr val="tx1"/>
                 </a:solidFill>
               </a:rPr>
               <a:t>T</a:t>
             </a:r>
-            <a:endParaRPr lang="en-US" dirty="0">
-              <a:solidFill>
-                <a:schemeClr val="tx1"/>
-              </a:solidFill>
-            </a:endParaRPr>
           </a:p>
         </p:txBody>
       </p:sp>
@@ -21590,18 +21421,13 @@
           <a:p>
             <a:pPr algn="ctr"/>
             <a:r>
-              <a:rPr lang="en-US" dirty="0" smtClean="0">
+              <a:rPr lang="en-US" dirty="0">
                 <a:solidFill>
                   <a:schemeClr val="tx1"/>
                 </a:solidFill>
               </a:rPr>
               <a:t>F</a:t>
             </a:r>
-            <a:endParaRPr lang="en-US" dirty="0">
-              <a:solidFill>
-                <a:schemeClr val="tx1"/>
-              </a:solidFill>
-            </a:endParaRPr>
           </a:p>
         </p:txBody>
       </p:sp>
@@ -21650,18 +21476,13 @@
           <a:p>
             <a:pPr algn="ctr"/>
             <a:r>
-              <a:rPr lang="en-US" dirty="0" smtClean="0">
+              <a:rPr lang="en-US" dirty="0">
                 <a:solidFill>
                   <a:schemeClr val="tx1"/>
                 </a:solidFill>
               </a:rPr>
               <a:t>T</a:t>
             </a:r>
-            <a:endParaRPr lang="en-US" dirty="0">
-              <a:solidFill>
-                <a:schemeClr val="tx1"/>
-              </a:solidFill>
-            </a:endParaRPr>
           </a:p>
         </p:txBody>
       </p:sp>
@@ -21710,18 +21531,13 @@
           <a:p>
             <a:pPr algn="ctr"/>
             <a:r>
-              <a:rPr lang="en-US" dirty="0" smtClean="0">
+              <a:rPr lang="en-US" dirty="0">
                 <a:solidFill>
                   <a:schemeClr val="tx1"/>
                 </a:solidFill>
               </a:rPr>
               <a:t>F</a:t>
             </a:r>
-            <a:endParaRPr lang="en-US" dirty="0">
-              <a:solidFill>
-                <a:schemeClr val="tx1"/>
-              </a:solidFill>
-            </a:endParaRPr>
           </a:p>
         </p:txBody>
       </p:sp>
@@ -21818,18 +21634,13 @@
           <a:p>
             <a:pPr algn="ctr"/>
             <a:r>
-              <a:rPr lang="en-US" sz="1400" dirty="0" smtClean="0">
+              <a:rPr lang="en-US" sz="1400" dirty="0">
                 <a:solidFill>
                   <a:schemeClr val="tx1"/>
                 </a:solidFill>
               </a:rPr>
               <a:t>0</a:t>
             </a:r>
-            <a:endParaRPr lang="en-US" sz="1400" dirty="0">
-              <a:solidFill>
-                <a:schemeClr val="tx1"/>
-              </a:solidFill>
-            </a:endParaRPr>
           </a:p>
         </p:txBody>
       </p:sp>
@@ -21878,18 +21689,13 @@
           <a:p>
             <a:pPr algn="ctr"/>
             <a:r>
-              <a:rPr lang="en-US" sz="1400" dirty="0" smtClean="0">
+              <a:rPr lang="en-US" sz="1400" dirty="0">
                 <a:solidFill>
                   <a:schemeClr val="tx1"/>
                 </a:solidFill>
               </a:rPr>
               <a:t>3</a:t>
             </a:r>
-            <a:endParaRPr lang="en-US" sz="1400" dirty="0">
-              <a:solidFill>
-                <a:schemeClr val="tx1"/>
-              </a:solidFill>
-            </a:endParaRPr>
           </a:p>
         </p:txBody>
       </p:sp>
@@ -21993,18 +21799,13 @@
           <a:p>
             <a:pPr algn="ctr"/>
             <a:r>
-              <a:rPr lang="en-US" sz="1200" dirty="0" smtClean="0">
+              <a:rPr lang="en-US" sz="1200" dirty="0">
                 <a:solidFill>
                   <a:schemeClr val="tx1"/>
                 </a:solidFill>
               </a:rPr>
               <a:t>10</a:t>
             </a:r>
-            <a:endParaRPr lang="en-US" sz="1200" dirty="0">
-              <a:solidFill>
-                <a:schemeClr val="tx1"/>
-              </a:solidFill>
-            </a:endParaRPr>
           </a:p>
         </p:txBody>
       </p:sp>
@@ -22053,18 +21854,13 @@
           <a:p>
             <a:pPr algn="ctr"/>
             <a:r>
-              <a:rPr lang="en-US" sz="1200" dirty="0" smtClean="0">
+              <a:rPr lang="en-US" sz="1200" dirty="0">
                 <a:solidFill>
                   <a:schemeClr val="tx1"/>
                 </a:solidFill>
               </a:rPr>
               <a:t>0</a:t>
             </a:r>
-            <a:endParaRPr lang="en-US" sz="1200" dirty="0">
-              <a:solidFill>
-                <a:schemeClr val="tx1"/>
-              </a:solidFill>
-            </a:endParaRPr>
           </a:p>
         </p:txBody>
       </p:sp>
@@ -22113,18 +21909,13 @@
           <a:p>
             <a:pPr algn="ctr"/>
             <a:r>
-              <a:rPr lang="en-US" sz="1200" dirty="0" smtClean="0">
+              <a:rPr lang="en-US" sz="1200" dirty="0">
                 <a:solidFill>
                   <a:schemeClr val="tx1"/>
                 </a:solidFill>
               </a:rPr>
               <a:t>19</a:t>
             </a:r>
-            <a:endParaRPr lang="en-US" sz="1200" dirty="0">
-              <a:solidFill>
-                <a:schemeClr val="tx1"/>
-              </a:solidFill>
-            </a:endParaRPr>
           </a:p>
         </p:txBody>
       </p:sp>
@@ -22173,18 +21964,13 @@
           <a:p>
             <a:pPr algn="ctr"/>
             <a:r>
-              <a:rPr lang="en-US" sz="1200" dirty="0" smtClean="0">
+              <a:rPr lang="en-US" sz="1200" dirty="0">
                 <a:solidFill>
                   <a:schemeClr val="tx1"/>
                 </a:solidFill>
               </a:rPr>
               <a:t>4</a:t>
             </a:r>
-            <a:endParaRPr lang="en-US" sz="1200" dirty="0">
-              <a:solidFill>
-                <a:schemeClr val="tx1"/>
-              </a:solidFill>
-            </a:endParaRPr>
           </a:p>
         </p:txBody>
       </p:sp>
@@ -22233,18 +22019,13 @@
           <a:p>
             <a:pPr algn="ctr"/>
             <a:r>
-              <a:rPr lang="en-US" sz="1200" dirty="0" smtClean="0">
+              <a:rPr lang="en-US" sz="1200" dirty="0">
                 <a:solidFill>
                   <a:schemeClr val="tx1"/>
                 </a:solidFill>
               </a:rPr>
               <a:t>0</a:t>
             </a:r>
-            <a:endParaRPr lang="en-US" sz="1200" dirty="0">
-              <a:solidFill>
-                <a:schemeClr val="tx1"/>
-              </a:solidFill>
-            </a:endParaRPr>
           </a:p>
         </p:txBody>
       </p:sp>
@@ -22341,18 +22122,13 @@
           <a:p>
             <a:pPr algn="ctr"/>
             <a:r>
-              <a:rPr lang="en-US" dirty="0" smtClean="0">
+              <a:rPr lang="en-US" dirty="0">
                 <a:solidFill>
                   <a:schemeClr val="tx1"/>
                 </a:solidFill>
               </a:rPr>
               <a:t>F</a:t>
             </a:r>
-            <a:endParaRPr lang="en-US" dirty="0">
-              <a:solidFill>
-                <a:schemeClr val="tx1"/>
-              </a:solidFill>
-            </a:endParaRPr>
           </a:p>
         </p:txBody>
       </p:sp>
@@ -22401,18 +22177,13 @@
           <a:p>
             <a:pPr algn="ctr"/>
             <a:r>
-              <a:rPr lang="en-US" dirty="0" smtClean="0">
+              <a:rPr lang="en-US" dirty="0">
                 <a:solidFill>
                   <a:schemeClr val="tx1"/>
                 </a:solidFill>
               </a:rPr>
               <a:t>T</a:t>
             </a:r>
-            <a:endParaRPr lang="en-US" dirty="0">
-              <a:solidFill>
-                <a:schemeClr val="tx1"/>
-              </a:solidFill>
-            </a:endParaRPr>
           </a:p>
         </p:txBody>
       </p:sp>
@@ -22491,18 +22262,13 @@
           <a:p>
             <a:pPr algn="ctr"/>
             <a:r>
-              <a:rPr lang="en-US" dirty="0" smtClean="0">
+              <a:rPr lang="en-US" dirty="0">
                 <a:solidFill>
                   <a:schemeClr val="tx1"/>
                 </a:solidFill>
               </a:rPr>
               <a:t>F</a:t>
             </a:r>
-            <a:endParaRPr lang="en-US" dirty="0">
-              <a:solidFill>
-                <a:schemeClr val="tx1"/>
-              </a:solidFill>
-            </a:endParaRPr>
           </a:p>
         </p:txBody>
       </p:sp>
@@ -22551,18 +22317,13 @@
           <a:p>
             <a:pPr algn="ctr"/>
             <a:r>
-              <a:rPr lang="en-US" dirty="0" smtClean="0">
+              <a:rPr lang="en-US" dirty="0">
                 <a:solidFill>
                   <a:schemeClr val="tx1"/>
                 </a:solidFill>
               </a:rPr>
               <a:t>F</a:t>
             </a:r>
-            <a:endParaRPr lang="en-US" dirty="0">
-              <a:solidFill>
-                <a:schemeClr val="tx1"/>
-              </a:solidFill>
-            </a:endParaRPr>
           </a:p>
         </p:txBody>
       </p:sp>
@@ -22611,18 +22372,13 @@
           <a:p>
             <a:pPr algn="ctr"/>
             <a:r>
-              <a:rPr lang="en-US" sz="1400" dirty="0" smtClean="0">
+              <a:rPr lang="en-US" sz="1400" dirty="0">
                 <a:solidFill>
                   <a:schemeClr val="tx1"/>
                 </a:solidFill>
               </a:rPr>
               <a:t>0</a:t>
             </a:r>
-            <a:endParaRPr lang="en-US" sz="1400" dirty="0">
-              <a:solidFill>
-                <a:schemeClr val="tx1"/>
-              </a:solidFill>
-            </a:endParaRPr>
           </a:p>
         </p:txBody>
       </p:sp>
@@ -22671,18 +22427,13 @@
           <a:p>
             <a:pPr algn="ctr"/>
             <a:r>
-              <a:rPr lang="en-US" dirty="0" smtClean="0">
+              <a:rPr lang="en-US" dirty="0">
                 <a:solidFill>
                   <a:schemeClr val="tx1"/>
                 </a:solidFill>
               </a:rPr>
               <a:t>F</a:t>
             </a:r>
-            <a:endParaRPr lang="en-US" dirty="0">
-              <a:solidFill>
-                <a:schemeClr val="tx1"/>
-              </a:solidFill>
-            </a:endParaRPr>
           </a:p>
         </p:txBody>
       </p:sp>
@@ -22964,15 +22715,7 @@
           <a:p>
             <a:r>
               <a:rPr lang="en-US" dirty="0"/>
-              <a:t>Aggregated </a:t>
-            </a:r>
-            <a:r>
-              <a:rPr lang="en-US" dirty="0" smtClean="0"/>
-              <a:t>State - </a:t>
-            </a:r>
-            <a:r>
-              <a:rPr lang="en-US" dirty="0"/>
-              <a:t>The problem</a:t>
+              <a:t>Aggregated State - The problem</a:t>
             </a:r>
           </a:p>
         </p:txBody>
@@ -23233,18 +22976,13 @@
           <a:p>
             <a:pPr algn="ctr"/>
             <a:r>
-              <a:rPr lang="en-US" dirty="0" smtClean="0">
+              <a:rPr lang="en-US" dirty="0">
                 <a:solidFill>
                   <a:schemeClr val="tx1"/>
                 </a:solidFill>
               </a:rPr>
               <a:t>F</a:t>
             </a:r>
-            <a:endParaRPr lang="en-US" dirty="0">
-              <a:solidFill>
-                <a:schemeClr val="tx1"/>
-              </a:solidFill>
-            </a:endParaRPr>
           </a:p>
         </p:txBody>
       </p:sp>
@@ -23293,18 +23031,13 @@
           <a:p>
             <a:pPr algn="ctr"/>
             <a:r>
-              <a:rPr lang="en-US" dirty="0" smtClean="0">
+              <a:rPr lang="en-US" dirty="0">
                 <a:solidFill>
                   <a:schemeClr val="tx1"/>
                 </a:solidFill>
               </a:rPr>
               <a:t>T</a:t>
             </a:r>
-            <a:endParaRPr lang="en-US" dirty="0">
-              <a:solidFill>
-                <a:schemeClr val="tx1"/>
-              </a:solidFill>
-            </a:endParaRPr>
           </a:p>
         </p:txBody>
       </p:sp>
@@ -23353,18 +23086,13 @@
           <a:p>
             <a:pPr algn="ctr"/>
             <a:r>
-              <a:rPr lang="en-US" dirty="0" smtClean="0">
+              <a:rPr lang="en-US" dirty="0">
                 <a:solidFill>
                   <a:schemeClr val="tx1"/>
                 </a:solidFill>
               </a:rPr>
               <a:t>F</a:t>
             </a:r>
-            <a:endParaRPr lang="en-US" dirty="0">
-              <a:solidFill>
-                <a:schemeClr val="tx1"/>
-              </a:solidFill>
-            </a:endParaRPr>
           </a:p>
         </p:txBody>
       </p:sp>
@@ -23413,18 +23141,13 @@
           <a:p>
             <a:pPr algn="ctr"/>
             <a:r>
-              <a:rPr lang="en-US" dirty="0" smtClean="0">
+              <a:rPr lang="en-US" dirty="0">
                 <a:solidFill>
                   <a:schemeClr val="tx1"/>
                 </a:solidFill>
               </a:rPr>
               <a:t>T</a:t>
             </a:r>
-            <a:endParaRPr lang="en-US" dirty="0">
-              <a:solidFill>
-                <a:schemeClr val="tx1"/>
-              </a:solidFill>
-            </a:endParaRPr>
           </a:p>
         </p:txBody>
       </p:sp>
@@ -23473,18 +23196,13 @@
           <a:p>
             <a:pPr algn="ctr"/>
             <a:r>
-              <a:rPr lang="en-US" dirty="0" smtClean="0">
+              <a:rPr lang="en-US" dirty="0">
                 <a:solidFill>
                   <a:schemeClr val="tx1"/>
                 </a:solidFill>
               </a:rPr>
               <a:t>F</a:t>
             </a:r>
-            <a:endParaRPr lang="en-US" dirty="0">
-              <a:solidFill>
-                <a:schemeClr val="tx1"/>
-              </a:solidFill>
-            </a:endParaRPr>
           </a:p>
         </p:txBody>
       </p:sp>
@@ -23533,18 +23251,13 @@
           <a:p>
             <a:pPr algn="ctr"/>
             <a:r>
-              <a:rPr lang="en-US" dirty="0" smtClean="0">
+              <a:rPr lang="en-US" dirty="0">
                 <a:solidFill>
                   <a:schemeClr val="tx1"/>
                 </a:solidFill>
               </a:rPr>
               <a:t>T</a:t>
             </a:r>
-            <a:endParaRPr lang="en-US" dirty="0">
-              <a:solidFill>
-                <a:schemeClr val="tx1"/>
-              </a:solidFill>
-            </a:endParaRPr>
           </a:p>
         </p:txBody>
       </p:sp>
@@ -23593,18 +23306,13 @@
           <a:p>
             <a:pPr algn="ctr"/>
             <a:r>
-              <a:rPr lang="en-US" dirty="0" smtClean="0">
+              <a:rPr lang="en-US" dirty="0">
                 <a:solidFill>
                   <a:schemeClr val="tx1"/>
                 </a:solidFill>
               </a:rPr>
               <a:t>F</a:t>
             </a:r>
-            <a:endParaRPr lang="en-US" dirty="0">
-              <a:solidFill>
-                <a:schemeClr val="tx1"/>
-              </a:solidFill>
-            </a:endParaRPr>
           </a:p>
         </p:txBody>
       </p:sp>
@@ -23701,18 +23409,13 @@
           <a:p>
             <a:pPr algn="ctr"/>
             <a:r>
-              <a:rPr lang="en-US" sz="1400" dirty="0" smtClean="0">
+              <a:rPr lang="en-US" sz="1400" dirty="0">
                 <a:solidFill>
                   <a:schemeClr val="tx1"/>
                 </a:solidFill>
               </a:rPr>
               <a:t>0</a:t>
             </a:r>
-            <a:endParaRPr lang="en-US" sz="1400" dirty="0">
-              <a:solidFill>
-                <a:schemeClr val="tx1"/>
-              </a:solidFill>
-            </a:endParaRPr>
           </a:p>
         </p:txBody>
       </p:sp>
@@ -23761,18 +23464,13 @@
           <a:p>
             <a:pPr algn="ctr"/>
             <a:r>
-              <a:rPr lang="en-US" sz="1400" dirty="0" smtClean="0">
+              <a:rPr lang="en-US" sz="1400" dirty="0">
                 <a:solidFill>
                   <a:schemeClr val="tx1"/>
                 </a:solidFill>
               </a:rPr>
               <a:t>3</a:t>
             </a:r>
-            <a:endParaRPr lang="en-US" sz="1400" dirty="0">
-              <a:solidFill>
-                <a:schemeClr val="tx1"/>
-              </a:solidFill>
-            </a:endParaRPr>
           </a:p>
         </p:txBody>
       </p:sp>
@@ -23876,18 +23574,13 @@
           <a:p>
             <a:pPr algn="ctr"/>
             <a:r>
-              <a:rPr lang="en-US" sz="1200" dirty="0" smtClean="0">
+              <a:rPr lang="en-US" sz="1200" dirty="0">
                 <a:solidFill>
                   <a:schemeClr val="tx1"/>
                 </a:solidFill>
               </a:rPr>
               <a:t>10</a:t>
             </a:r>
-            <a:endParaRPr lang="en-US" sz="1200" dirty="0">
-              <a:solidFill>
-                <a:schemeClr val="tx1"/>
-              </a:solidFill>
-            </a:endParaRPr>
           </a:p>
         </p:txBody>
       </p:sp>
@@ -23936,18 +23629,13 @@
           <a:p>
             <a:pPr algn="ctr"/>
             <a:r>
-              <a:rPr lang="en-US" sz="1200" dirty="0" smtClean="0">
+              <a:rPr lang="en-US" sz="1200" dirty="0">
                 <a:solidFill>
                   <a:schemeClr val="tx1"/>
                 </a:solidFill>
               </a:rPr>
               <a:t>0</a:t>
             </a:r>
-            <a:endParaRPr lang="en-US" sz="1200" dirty="0">
-              <a:solidFill>
-                <a:schemeClr val="tx1"/>
-              </a:solidFill>
-            </a:endParaRPr>
           </a:p>
         </p:txBody>
       </p:sp>
@@ -23996,18 +23684,13 @@
           <a:p>
             <a:pPr algn="ctr"/>
             <a:r>
-              <a:rPr lang="en-US" sz="1200" dirty="0" smtClean="0">
+              <a:rPr lang="en-US" sz="1200" dirty="0">
                 <a:solidFill>
                   <a:schemeClr val="tx1"/>
                 </a:solidFill>
               </a:rPr>
               <a:t>19</a:t>
             </a:r>
-            <a:endParaRPr lang="en-US" sz="1200" dirty="0">
-              <a:solidFill>
-                <a:schemeClr val="tx1"/>
-              </a:solidFill>
-            </a:endParaRPr>
           </a:p>
         </p:txBody>
       </p:sp>
@@ -24056,18 +23739,13 @@
           <a:p>
             <a:pPr algn="ctr"/>
             <a:r>
-              <a:rPr lang="en-US" sz="1200" dirty="0" smtClean="0">
+              <a:rPr lang="en-US" sz="1200" dirty="0">
                 <a:solidFill>
                   <a:schemeClr val="tx1"/>
                 </a:solidFill>
               </a:rPr>
               <a:t>4</a:t>
             </a:r>
-            <a:endParaRPr lang="en-US" sz="1200" dirty="0">
-              <a:solidFill>
-                <a:schemeClr val="tx1"/>
-              </a:solidFill>
-            </a:endParaRPr>
           </a:p>
         </p:txBody>
       </p:sp>
@@ -24116,18 +23794,13 @@
           <a:p>
             <a:pPr algn="ctr"/>
             <a:r>
-              <a:rPr lang="en-US" sz="1200" dirty="0" smtClean="0">
+              <a:rPr lang="en-US" sz="1200" dirty="0">
                 <a:solidFill>
                   <a:schemeClr val="tx1"/>
                 </a:solidFill>
               </a:rPr>
               <a:t>0</a:t>
             </a:r>
-            <a:endParaRPr lang="en-US" sz="1200" dirty="0">
-              <a:solidFill>
-                <a:schemeClr val="tx1"/>
-              </a:solidFill>
-            </a:endParaRPr>
           </a:p>
         </p:txBody>
       </p:sp>
@@ -24224,18 +23897,13 @@
           <a:p>
             <a:pPr algn="ctr"/>
             <a:r>
-              <a:rPr lang="en-US" dirty="0" smtClean="0">
+              <a:rPr lang="en-US" dirty="0">
                 <a:solidFill>
                   <a:schemeClr val="tx1"/>
                 </a:solidFill>
               </a:rPr>
               <a:t>F</a:t>
             </a:r>
-            <a:endParaRPr lang="en-US" dirty="0">
-              <a:solidFill>
-                <a:schemeClr val="tx1"/>
-              </a:solidFill>
-            </a:endParaRPr>
           </a:p>
         </p:txBody>
       </p:sp>
@@ -24284,18 +23952,13 @@
           <a:p>
             <a:pPr algn="ctr"/>
             <a:r>
-              <a:rPr lang="en-US" dirty="0" smtClean="0">
+              <a:rPr lang="en-US" dirty="0">
                 <a:solidFill>
                   <a:schemeClr val="tx1"/>
                 </a:solidFill>
               </a:rPr>
               <a:t>T</a:t>
             </a:r>
-            <a:endParaRPr lang="en-US" dirty="0">
-              <a:solidFill>
-                <a:schemeClr val="tx1"/>
-              </a:solidFill>
-            </a:endParaRPr>
           </a:p>
         </p:txBody>
       </p:sp>
@@ -24514,18 +24177,13 @@
           <a:p>
             <a:pPr algn="ctr"/>
             <a:r>
-              <a:rPr lang="en-US" dirty="0" smtClean="0">
+              <a:rPr lang="en-US" dirty="0">
                 <a:solidFill>
                   <a:schemeClr val="tx1"/>
                 </a:solidFill>
               </a:rPr>
               <a:t>F</a:t>
             </a:r>
-            <a:endParaRPr lang="en-US" dirty="0">
-              <a:solidFill>
-                <a:schemeClr val="tx1"/>
-              </a:solidFill>
-            </a:endParaRPr>
           </a:p>
         </p:txBody>
       </p:sp>
@@ -24574,18 +24232,13 @@
           <a:p>
             <a:pPr algn="ctr"/>
             <a:r>
-              <a:rPr lang="en-US" dirty="0" smtClean="0">
+              <a:rPr lang="en-US" dirty="0">
                 <a:solidFill>
                   <a:schemeClr val="tx1"/>
                 </a:solidFill>
               </a:rPr>
               <a:t>T</a:t>
             </a:r>
-            <a:endParaRPr lang="en-US" dirty="0">
-              <a:solidFill>
-                <a:schemeClr val="tx1"/>
-              </a:solidFill>
-            </a:endParaRPr>
           </a:p>
         </p:txBody>
       </p:sp>
@@ -24634,18 +24287,13 @@
           <a:p>
             <a:pPr algn="ctr"/>
             <a:r>
-              <a:rPr lang="en-US" sz="1400" dirty="0" smtClean="0">
+              <a:rPr lang="en-US" sz="1400" dirty="0">
                 <a:solidFill>
                   <a:schemeClr val="tx1"/>
                 </a:solidFill>
               </a:rPr>
               <a:t>0</a:t>
             </a:r>
-            <a:endParaRPr lang="en-US" sz="1400" dirty="0">
-              <a:solidFill>
-                <a:schemeClr val="tx1"/>
-              </a:solidFill>
-            </a:endParaRPr>
           </a:p>
         </p:txBody>
       </p:sp>
@@ -24694,18 +24342,13 @@
           <a:p>
             <a:pPr algn="ctr"/>
             <a:r>
-              <a:rPr lang="en-US" dirty="0" smtClean="0">
+              <a:rPr lang="en-US" dirty="0">
                 <a:solidFill>
                   <a:schemeClr val="tx1"/>
                 </a:solidFill>
               </a:rPr>
               <a:t>F</a:t>
             </a:r>
-            <a:endParaRPr lang="en-US" dirty="0">
-              <a:solidFill>
-                <a:schemeClr val="tx1"/>
-              </a:solidFill>
-            </a:endParaRPr>
           </a:p>
         </p:txBody>
       </p:sp>
@@ -25068,13 +24711,8 @@
           <a:p>
             <a:r>
               <a:rPr lang="en-US" dirty="0"/>
-              <a:t>Aggregated </a:t>
-            </a:r>
-            <a:r>
-              <a:rPr lang="en-US" dirty="0" smtClean="0"/>
-              <a:t>State – Solution 1</a:t>
-            </a:r>
-            <a:endParaRPr lang="en-US" dirty="0"/>
+              <a:t>Aggregated State – Solution 1</a:t>
+            </a:r>
           </a:p>
         </p:txBody>
       </p:sp>
@@ -25240,12 +24878,8 @@
           <a:lstStyle/>
           <a:p>
             <a:r>
-              <a:rPr lang="en-US" sz="2400" dirty="0" smtClean="0"/>
-              <a:t>Understanding </a:t>
-            </a:r>
-            <a:r>
               <a:rPr lang="en-US" sz="2400" dirty="0"/>
-              <a:t>the relationships between the objects</a:t>
+              <a:t>Understanding the relationships between the objects</a:t>
             </a:r>
           </a:p>
         </p:txBody>
@@ -25577,13 +25211,8 @@
           <a:p>
             <a:r>
               <a:rPr lang="en-US" dirty="0"/>
-              <a:t>Aggregated </a:t>
-            </a:r>
-            <a:r>
-              <a:rPr lang="en-US" dirty="0" smtClean="0"/>
-              <a:t>State – Solution 1</a:t>
-            </a:r>
-            <a:endParaRPr lang="en-US" dirty="0"/>
+              <a:t>Aggregated State – Solution 1</a:t>
+            </a:r>
           </a:p>
         </p:txBody>
       </p:sp>
@@ -25749,10 +25378,9 @@
           <a:lstStyle/>
           <a:p>
             <a:r>
-              <a:rPr lang="en-US" sz="2400" dirty="0" smtClean="0"/>
+              <a:rPr lang="en-US" sz="2400" dirty="0"/>
               <a:t>In which order we need to request the state?</a:t>
             </a:r>
-            <a:endParaRPr lang="en-US" sz="2400" dirty="0"/>
           </a:p>
         </p:txBody>
       </p:sp>
@@ -25914,18 +25542,13 @@
           <a:p>
             <a:pPr algn="ctr"/>
             <a:r>
-              <a:rPr lang="en-US" dirty="0" smtClean="0">
+              <a:rPr lang="en-US" dirty="0">
                 <a:solidFill>
                   <a:schemeClr val="tx1"/>
                 </a:solidFill>
               </a:rPr>
               <a:t>2</a:t>
             </a:r>
-            <a:endParaRPr lang="en-US" dirty="0">
-              <a:solidFill>
-                <a:schemeClr val="tx1"/>
-              </a:solidFill>
-            </a:endParaRPr>
           </a:p>
         </p:txBody>
       </p:sp>
@@ -25972,18 +25595,13 @@
           <a:p>
             <a:pPr algn="ctr"/>
             <a:r>
-              <a:rPr lang="en-US" dirty="0" smtClean="0">
+              <a:rPr lang="en-US" dirty="0">
                 <a:solidFill>
                   <a:schemeClr val="tx1"/>
                 </a:solidFill>
               </a:rPr>
               <a:t>1</a:t>
             </a:r>
-            <a:endParaRPr lang="en-US" dirty="0">
-              <a:solidFill>
-                <a:schemeClr val="tx1"/>
-              </a:solidFill>
-            </a:endParaRPr>
           </a:p>
         </p:txBody>
       </p:sp>
@@ -26030,18 +25648,13 @@
           <a:p>
             <a:pPr algn="ctr"/>
             <a:r>
-              <a:rPr lang="en-US" dirty="0" smtClean="0">
+              <a:rPr lang="en-US" dirty="0">
                 <a:solidFill>
                   <a:schemeClr val="tx1"/>
                 </a:solidFill>
               </a:rPr>
               <a:t>3</a:t>
             </a:r>
-            <a:endParaRPr lang="en-US" dirty="0">
-              <a:solidFill>
-                <a:schemeClr val="tx1"/>
-              </a:solidFill>
-            </a:endParaRPr>
           </a:p>
         </p:txBody>
       </p:sp>
@@ -26088,18 +25701,13 @@
           <a:p>
             <a:pPr algn="ctr"/>
             <a:r>
-              <a:rPr lang="en-US" dirty="0" smtClean="0">
+              <a:rPr lang="en-US" dirty="0">
                 <a:solidFill>
                   <a:schemeClr val="tx1"/>
                 </a:solidFill>
               </a:rPr>
               <a:t>4</a:t>
             </a:r>
-            <a:endParaRPr lang="en-US" dirty="0">
-              <a:solidFill>
-                <a:schemeClr val="tx1"/>
-              </a:solidFill>
-            </a:endParaRPr>
           </a:p>
         </p:txBody>
       </p:sp>
